--- a/tech/design_pattern/Design_Pattern.pptx
+++ b/tech/design_pattern/Design_Pattern.pptx
@@ -106,6 +106,11 @@
       </a:defRPr>
     </a:lvl9pPr>
   </p:defaultTextStyle>
+  <p:extLst>
+    <p:ext uri="{EFAFB233-063F-42B5-8137-9DF3F51BA10A}">
+      <p15:sldGuideLst xmlns:p15="http://schemas.microsoft.com/office/powerpoint/2012/main"/>
+    </p:ext>
+  </p:extLst>
 </p:presentation>
 </file>
 
@@ -5195,6 +5200,41 @@
           </a:fontRef>
         </p:style>
       </p:cxnSp>
+      <p:sp>
+        <p:nvSpPr>
+          <p:cNvPr id="6" name="TextBox 5">
+            <a:extLst>
+              <a:ext uri="{FF2B5EF4-FFF2-40B4-BE49-F238E27FC236}">
+                <a16:creationId xmlns:a16="http://schemas.microsoft.com/office/drawing/2014/main" id="{0E5894FE-F0BE-3B48-4875-CC663E8205F6}"/>
+              </a:ext>
+            </a:extLst>
+          </p:cNvPr>
+          <p:cNvSpPr txBox="1"/>
+          <p:nvPr/>
+        </p:nvSpPr>
+        <p:spPr>
+          <a:xfrm>
+            <a:off x="4137660" y="5646420"/>
+            <a:ext cx="2460930" cy="369332"/>
+          </a:xfrm>
+          <a:prstGeom prst="rect">
+            <a:avLst/>
+          </a:prstGeom>
+          <a:noFill/>
+        </p:spPr>
+        <p:txBody>
+          <a:bodyPr wrap="none" rtlCol="0">
+            <a:spAutoFit/>
+          </a:bodyPr>
+          <a:lstStyle/>
+          <a:p>
+            <a:r>
+              <a:rPr lang="en-CN" dirty="0"/>
+              <a:t>更新模式:1 -&gt; 2 -&gt; 3 -&gt;1</a:t>
+            </a:r>
+          </a:p>
+        </p:txBody>
+      </p:sp>
     </p:spTree>
     <p:extLst>
       <p:ext uri="{BB962C8B-B14F-4D97-AF65-F5344CB8AC3E}">

--- a/tech/design_pattern/Design_Pattern.pptx
+++ b/tech/design_pattern/Design_Pattern.pptx
@@ -263,7 +263,7 @@
           <a:p>
             <a:fld id="{A73346F8-8EE3-A74F-AEBD-DF18CD043ED8}" type="datetimeFigureOut">
               <a:rPr lang="en-CN" smtClean="0"/>
-              <a:t>2023/11/15</a:t>
+              <a:t>2023/11/17</a:t>
             </a:fld>
             <a:endParaRPr lang="en-CN"/>
           </a:p>
@@ -463,7 +463,7 @@
           <a:p>
             <a:fld id="{A73346F8-8EE3-A74F-AEBD-DF18CD043ED8}" type="datetimeFigureOut">
               <a:rPr lang="en-CN" smtClean="0"/>
-              <a:t>2023/11/15</a:t>
+              <a:t>2023/11/17</a:t>
             </a:fld>
             <a:endParaRPr lang="en-CN"/>
           </a:p>
@@ -673,7 +673,7 @@
           <a:p>
             <a:fld id="{A73346F8-8EE3-A74F-AEBD-DF18CD043ED8}" type="datetimeFigureOut">
               <a:rPr lang="en-CN" smtClean="0"/>
-              <a:t>2023/11/15</a:t>
+              <a:t>2023/11/17</a:t>
             </a:fld>
             <a:endParaRPr lang="en-CN"/>
           </a:p>
@@ -873,7 +873,7 @@
           <a:p>
             <a:fld id="{A73346F8-8EE3-A74F-AEBD-DF18CD043ED8}" type="datetimeFigureOut">
               <a:rPr lang="en-CN" smtClean="0"/>
-              <a:t>2023/11/15</a:t>
+              <a:t>2023/11/17</a:t>
             </a:fld>
             <a:endParaRPr lang="en-CN"/>
           </a:p>
@@ -1149,7 +1149,7 @@
           <a:p>
             <a:fld id="{A73346F8-8EE3-A74F-AEBD-DF18CD043ED8}" type="datetimeFigureOut">
               <a:rPr lang="en-CN" smtClean="0"/>
-              <a:t>2023/11/15</a:t>
+              <a:t>2023/11/17</a:t>
             </a:fld>
             <a:endParaRPr lang="en-CN"/>
           </a:p>
@@ -1417,7 +1417,7 @@
           <a:p>
             <a:fld id="{A73346F8-8EE3-A74F-AEBD-DF18CD043ED8}" type="datetimeFigureOut">
               <a:rPr lang="en-CN" smtClean="0"/>
-              <a:t>2023/11/15</a:t>
+              <a:t>2023/11/17</a:t>
             </a:fld>
             <a:endParaRPr lang="en-CN"/>
           </a:p>
@@ -1832,7 +1832,7 @@
           <a:p>
             <a:fld id="{A73346F8-8EE3-A74F-AEBD-DF18CD043ED8}" type="datetimeFigureOut">
               <a:rPr lang="en-CN" smtClean="0"/>
-              <a:t>2023/11/15</a:t>
+              <a:t>2023/11/17</a:t>
             </a:fld>
             <a:endParaRPr lang="en-CN"/>
           </a:p>
@@ -1974,7 +1974,7 @@
           <a:p>
             <a:fld id="{A73346F8-8EE3-A74F-AEBD-DF18CD043ED8}" type="datetimeFigureOut">
               <a:rPr lang="en-CN" smtClean="0"/>
-              <a:t>2023/11/15</a:t>
+              <a:t>2023/11/17</a:t>
             </a:fld>
             <a:endParaRPr lang="en-CN"/>
           </a:p>
@@ -2087,7 +2087,7 @@
           <a:p>
             <a:fld id="{A73346F8-8EE3-A74F-AEBD-DF18CD043ED8}" type="datetimeFigureOut">
               <a:rPr lang="en-CN" smtClean="0"/>
-              <a:t>2023/11/15</a:t>
+              <a:t>2023/11/17</a:t>
             </a:fld>
             <a:endParaRPr lang="en-CN"/>
           </a:p>
@@ -2400,7 +2400,7 @@
           <a:p>
             <a:fld id="{A73346F8-8EE3-A74F-AEBD-DF18CD043ED8}" type="datetimeFigureOut">
               <a:rPr lang="en-CN" smtClean="0"/>
-              <a:t>2023/11/15</a:t>
+              <a:t>2023/11/17</a:t>
             </a:fld>
             <a:endParaRPr lang="en-CN"/>
           </a:p>
@@ -2689,7 +2689,7 @@
           <a:p>
             <a:fld id="{A73346F8-8EE3-A74F-AEBD-DF18CD043ED8}" type="datetimeFigureOut">
               <a:rPr lang="en-CN" smtClean="0"/>
-              <a:t>2023/11/15</a:t>
+              <a:t>2023/11/17</a:t>
             </a:fld>
             <a:endParaRPr lang="en-CN"/>
           </a:p>
@@ -2932,7 +2932,7 @@
           <a:p>
             <a:fld id="{A73346F8-8EE3-A74F-AEBD-DF18CD043ED8}" type="datetimeFigureOut">
               <a:rPr lang="en-CN" smtClean="0"/>
-              <a:t>2023/11/15</a:t>
+              <a:t>2023/11/17</a:t>
             </a:fld>
             <a:endParaRPr lang="en-CN"/>
           </a:p>
@@ -3379,284 +3379,20 @@
       </p:sp>
       <p:sp>
         <p:nvSpPr>
-          <p:cNvPr id="11" name="Rectangle 10">
-            <a:extLst>
-              <a:ext uri="{FF2B5EF4-FFF2-40B4-BE49-F238E27FC236}">
-                <a16:creationId xmlns:a16="http://schemas.microsoft.com/office/drawing/2014/main" id="{44B74E5C-CC5A-BE88-074A-870BF3250966}"/>
-              </a:ext>
-            </a:extLst>
-          </p:cNvPr>
-          <p:cNvSpPr/>
+          <p:cNvPr id="3" name="TextBox 2">
+            <a:extLst>
+              <a:ext uri="{FF2B5EF4-FFF2-40B4-BE49-F238E27FC236}">
+                <a16:creationId xmlns:a16="http://schemas.microsoft.com/office/drawing/2014/main" id="{D80CDB68-A90C-57AA-C53F-74D0B6CCC93A}"/>
+              </a:ext>
+            </a:extLst>
+          </p:cNvPr>
+          <p:cNvSpPr txBox="1"/>
           <p:nvPr/>
         </p:nvSpPr>
         <p:spPr>
           <a:xfrm>
-            <a:off x="2533898" y="1976718"/>
-            <a:ext cx="1801906" cy="941294"/>
-          </a:xfrm>
-          <a:prstGeom prst="rect">
-            <a:avLst/>
-          </a:prstGeom>
-        </p:spPr>
-        <p:style>
-          <a:lnRef idx="1">
-            <a:schemeClr val="accent6"/>
-          </a:lnRef>
-          <a:fillRef idx="2">
-            <a:schemeClr val="accent6"/>
-          </a:fillRef>
-          <a:effectRef idx="1">
-            <a:schemeClr val="accent6"/>
-          </a:effectRef>
-          <a:fontRef idx="minor">
-            <a:schemeClr val="dk1"/>
-          </a:fontRef>
-        </p:style>
-        <p:txBody>
-          <a:bodyPr rtlCol="0" anchor="ctr"/>
-          <a:lstStyle/>
-          <a:p>
-            <a:pPr algn="ctr"/>
-            <a:r>
-              <a:rPr lang="en-CN" dirty="0"/>
-              <a:t>View</a:t>
-            </a:r>
-          </a:p>
-        </p:txBody>
-      </p:sp>
-      <p:sp>
-        <p:nvSpPr>
-          <p:cNvPr id="12" name="Rectangle 11">
-            <a:extLst>
-              <a:ext uri="{FF2B5EF4-FFF2-40B4-BE49-F238E27FC236}">
-                <a16:creationId xmlns:a16="http://schemas.microsoft.com/office/drawing/2014/main" id="{97D70D78-CC96-2381-B341-3DEBE5387645}"/>
-              </a:ext>
-            </a:extLst>
-          </p:cNvPr>
-          <p:cNvSpPr/>
-          <p:nvPr/>
-        </p:nvSpPr>
-        <p:spPr>
-          <a:xfrm>
-            <a:off x="877479" y="3917576"/>
-            <a:ext cx="1801906" cy="941294"/>
-          </a:xfrm>
-          <a:prstGeom prst="rect">
-            <a:avLst/>
-          </a:prstGeom>
-        </p:spPr>
-        <p:style>
-          <a:lnRef idx="1">
-            <a:schemeClr val="accent6"/>
-          </a:lnRef>
-          <a:fillRef idx="2">
-            <a:schemeClr val="accent6"/>
-          </a:fillRef>
-          <a:effectRef idx="1">
-            <a:schemeClr val="accent6"/>
-          </a:effectRef>
-          <a:fontRef idx="minor">
-            <a:schemeClr val="dk1"/>
-          </a:fontRef>
-        </p:style>
-        <p:txBody>
-          <a:bodyPr rtlCol="0" anchor="ctr"/>
-          <a:lstStyle/>
-          <a:p>
-            <a:pPr algn="ctr"/>
-            <a:r>
-              <a:rPr lang="en-CN" dirty="0"/>
-              <a:t>Controller</a:t>
-            </a:r>
-          </a:p>
-        </p:txBody>
-      </p:sp>
-      <p:sp>
-        <p:nvSpPr>
-          <p:cNvPr id="13" name="Rectangle 12">
-            <a:extLst>
-              <a:ext uri="{FF2B5EF4-FFF2-40B4-BE49-F238E27FC236}">
-                <a16:creationId xmlns:a16="http://schemas.microsoft.com/office/drawing/2014/main" id="{97B35462-B643-1C64-5BC0-5B3082A12716}"/>
-              </a:ext>
-            </a:extLst>
-          </p:cNvPr>
-          <p:cNvSpPr/>
-          <p:nvPr/>
-        </p:nvSpPr>
-        <p:spPr>
-          <a:xfrm>
-            <a:off x="4024964" y="3917576"/>
-            <a:ext cx="1801906" cy="941294"/>
-          </a:xfrm>
-          <a:prstGeom prst="rect">
-            <a:avLst/>
-          </a:prstGeom>
-        </p:spPr>
-        <p:style>
-          <a:lnRef idx="1">
-            <a:schemeClr val="accent6"/>
-          </a:lnRef>
-          <a:fillRef idx="2">
-            <a:schemeClr val="accent6"/>
-          </a:fillRef>
-          <a:effectRef idx="1">
-            <a:schemeClr val="accent6"/>
-          </a:effectRef>
-          <a:fontRef idx="minor">
-            <a:schemeClr val="dk1"/>
-          </a:fontRef>
-        </p:style>
-        <p:txBody>
-          <a:bodyPr rtlCol="0" anchor="ctr"/>
-          <a:lstStyle/>
-          <a:p>
-            <a:pPr algn="ctr"/>
-            <a:r>
-              <a:rPr lang="en-CN" dirty="0"/>
-              <a:t>Model</a:t>
-            </a:r>
-          </a:p>
-        </p:txBody>
-      </p:sp>
-      <p:cxnSp>
-        <p:nvCxnSpPr>
-          <p:cNvPr id="17" name="Straight Arrow Connector 16">
-            <a:extLst>
-              <a:ext uri="{FF2B5EF4-FFF2-40B4-BE49-F238E27FC236}">
-                <a16:creationId xmlns:a16="http://schemas.microsoft.com/office/drawing/2014/main" id="{20E30DCB-575C-C343-0CC7-B1DCD5E5BD9E}"/>
-              </a:ext>
-            </a:extLst>
-          </p:cNvPr>
-          <p:cNvCxnSpPr>
-            <a:cxnSpLocks/>
-          </p:cNvCxnSpPr>
-          <p:nvPr/>
-        </p:nvCxnSpPr>
-        <p:spPr>
-          <a:xfrm flipH="1">
-            <a:off x="2163608" y="3073115"/>
-            <a:ext cx="891551" cy="790673"/>
-          </a:xfrm>
-          <a:prstGeom prst="straightConnector1">
-            <a:avLst/>
-          </a:prstGeom>
-          <a:ln>
-            <a:tailEnd type="triangle"/>
-          </a:ln>
-        </p:spPr>
-        <p:style>
-          <a:lnRef idx="1">
-            <a:schemeClr val="accent1"/>
-          </a:lnRef>
-          <a:fillRef idx="0">
-            <a:schemeClr val="accent1"/>
-          </a:fillRef>
-          <a:effectRef idx="0">
-            <a:schemeClr val="accent1"/>
-          </a:effectRef>
-          <a:fontRef idx="minor">
-            <a:schemeClr val="tx1"/>
-          </a:fontRef>
-        </p:style>
-      </p:cxnSp>
-      <p:cxnSp>
-        <p:nvCxnSpPr>
-          <p:cNvPr id="19" name="Straight Arrow Connector 18">
-            <a:extLst>
-              <a:ext uri="{FF2B5EF4-FFF2-40B4-BE49-F238E27FC236}">
-                <a16:creationId xmlns:a16="http://schemas.microsoft.com/office/drawing/2014/main" id="{FC5D640F-CEEC-4B49-737E-E562675C40D4}"/>
-              </a:ext>
-            </a:extLst>
-          </p:cNvPr>
-          <p:cNvCxnSpPr>
-            <a:cxnSpLocks/>
-          </p:cNvCxnSpPr>
-          <p:nvPr/>
-        </p:nvCxnSpPr>
-        <p:spPr>
-          <a:xfrm>
-            <a:off x="2810494" y="4388223"/>
-            <a:ext cx="1062259" cy="0"/>
-          </a:xfrm>
-          <a:prstGeom prst="straightConnector1">
-            <a:avLst/>
-          </a:prstGeom>
-          <a:ln>
-            <a:tailEnd type="triangle"/>
-          </a:ln>
-        </p:spPr>
-        <p:style>
-          <a:lnRef idx="1">
-            <a:schemeClr val="accent1"/>
-          </a:lnRef>
-          <a:fillRef idx="0">
-            <a:schemeClr val="accent1"/>
-          </a:fillRef>
-          <a:effectRef idx="0">
-            <a:schemeClr val="accent1"/>
-          </a:effectRef>
-          <a:fontRef idx="minor">
-            <a:schemeClr val="tx1"/>
-          </a:fontRef>
-        </p:style>
-      </p:cxnSp>
-      <p:cxnSp>
-        <p:nvCxnSpPr>
-          <p:cNvPr id="21" name="Straight Arrow Connector 20">
-            <a:extLst>
-              <a:ext uri="{FF2B5EF4-FFF2-40B4-BE49-F238E27FC236}">
-                <a16:creationId xmlns:a16="http://schemas.microsoft.com/office/drawing/2014/main" id="{7C8EB94F-5BA7-4B07-8FF7-1F845213B5D3}"/>
-              </a:ext>
-            </a:extLst>
-          </p:cNvPr>
-          <p:cNvCxnSpPr>
-            <a:cxnSpLocks/>
-          </p:cNvCxnSpPr>
-          <p:nvPr/>
-        </p:nvCxnSpPr>
-        <p:spPr>
-          <a:xfrm flipH="1" flipV="1">
-            <a:off x="3645272" y="3039455"/>
-            <a:ext cx="849750" cy="770546"/>
-          </a:xfrm>
-          <a:prstGeom prst="straightConnector1">
-            <a:avLst/>
-          </a:prstGeom>
-          <a:ln>
-            <a:tailEnd type="triangle"/>
-          </a:ln>
-        </p:spPr>
-        <p:style>
-          <a:lnRef idx="1">
-            <a:schemeClr val="accent1"/>
-          </a:lnRef>
-          <a:fillRef idx="0">
-            <a:schemeClr val="accent1"/>
-          </a:fillRef>
-          <a:effectRef idx="0">
-            <a:schemeClr val="accent1"/>
-          </a:effectRef>
-          <a:fontRef idx="minor">
-            <a:schemeClr val="tx1"/>
-          </a:fontRef>
-        </p:style>
-      </p:cxnSp>
-      <p:sp>
-        <p:nvSpPr>
-          <p:cNvPr id="24" name="TextBox 23">
-            <a:extLst>
-              <a:ext uri="{FF2B5EF4-FFF2-40B4-BE49-F238E27FC236}">
-                <a16:creationId xmlns:a16="http://schemas.microsoft.com/office/drawing/2014/main" id="{4F3F0F56-EBD9-7793-B82F-94DA809DBF1D}"/>
-              </a:ext>
-            </a:extLst>
-          </p:cNvPr>
-          <p:cNvSpPr txBox="1"/>
-          <p:nvPr/>
-        </p:nvSpPr>
-        <p:spPr>
-          <a:xfrm>
-            <a:off x="2515531" y="3261374"/>
-            <a:ext cx="294963" cy="369332"/>
+            <a:off x="9717552" y="0"/>
+            <a:ext cx="2168479" cy="923330"/>
           </a:xfrm>
           <a:prstGeom prst="rect">
             <a:avLst/>
@@ -3664,41 +3400,6 @@
           <a:noFill/>
         </p:spPr>
         <p:txBody>
-          <a:bodyPr wrap="square" rtlCol="0">
-            <a:spAutoFit/>
-          </a:bodyPr>
-          <a:lstStyle/>
-          <a:p>
-            <a:r>
-              <a:rPr lang="en-CN" dirty="0"/>
-              <a:t>1</a:t>
-            </a:r>
-          </a:p>
-        </p:txBody>
-      </p:sp>
-      <p:sp>
-        <p:nvSpPr>
-          <p:cNvPr id="25" name="TextBox 24">
-            <a:extLst>
-              <a:ext uri="{FF2B5EF4-FFF2-40B4-BE49-F238E27FC236}">
-                <a16:creationId xmlns:a16="http://schemas.microsoft.com/office/drawing/2014/main" id="{28A70F43-53CB-5073-B75F-3D7F1F19FB1A}"/>
-              </a:ext>
-            </a:extLst>
-          </p:cNvPr>
-          <p:cNvSpPr txBox="1"/>
-          <p:nvPr/>
-        </p:nvSpPr>
-        <p:spPr>
-          <a:xfrm>
-            <a:off x="3133165" y="4244788"/>
-            <a:ext cx="301686" cy="369332"/>
-          </a:xfrm>
-          <a:prstGeom prst="rect">
-            <a:avLst/>
-          </a:prstGeom>
-          <a:noFill/>
-        </p:spPr>
-        <p:txBody>
           <a:bodyPr wrap="none" rtlCol="0">
             <a:spAutoFit/>
           </a:bodyPr>
@@ -3706,539 +3407,1038 @@
           <a:p>
             <a:r>
               <a:rPr lang="en-CN" dirty="0"/>
-              <a:t>2</a:t>
-            </a:r>
-          </a:p>
-        </p:txBody>
-      </p:sp>
-      <p:sp>
-        <p:nvSpPr>
-          <p:cNvPr id="33" name="TextBox 32">
-            <a:extLst>
-              <a:ext uri="{FF2B5EF4-FFF2-40B4-BE49-F238E27FC236}">
-                <a16:creationId xmlns:a16="http://schemas.microsoft.com/office/drawing/2014/main" id="{E5BAAEEA-121E-4944-2D26-E62D62E66736}"/>
-              </a:ext>
-            </a:extLst>
-          </p:cNvPr>
-          <p:cNvSpPr txBox="1"/>
+              <a:t>1 Action / User event</a:t>
+            </a:r>
+          </a:p>
+          <a:p>
+            <a:r>
+              <a:rPr lang="en-CN" dirty="0"/>
+              <a:t>3 Data</a:t>
+            </a:r>
+          </a:p>
+          <a:p>
+            <a:r>
+              <a:rPr lang="en-CN" dirty="0"/>
+              <a:t>4 Update view</a:t>
+            </a:r>
+          </a:p>
+        </p:txBody>
+      </p:sp>
+      <p:grpSp>
+        <p:nvGrpSpPr>
+          <p:cNvPr id="10" name="Group 9">
+            <a:extLst>
+              <a:ext uri="{FF2B5EF4-FFF2-40B4-BE49-F238E27FC236}">
+                <a16:creationId xmlns:a16="http://schemas.microsoft.com/office/drawing/2014/main" id="{99D589A3-B769-8C4E-9A1F-1D9675348EA6}"/>
+              </a:ext>
+            </a:extLst>
+          </p:cNvPr>
+          <p:cNvGrpSpPr/>
           <p:nvPr/>
-        </p:nvSpPr>
-        <p:spPr>
-          <a:xfrm flipH="1">
-            <a:off x="4024964" y="3281083"/>
-            <a:ext cx="959130" cy="369332"/>
+        </p:nvGrpSpPr>
+        <p:grpSpPr>
+          <a:xfrm>
+            <a:off x="838200" y="1976718"/>
+            <a:ext cx="4988670" cy="3775919"/>
+            <a:chOff x="838200" y="1976718"/>
+            <a:chExt cx="4988670" cy="3775919"/>
           </a:xfrm>
-          <a:prstGeom prst="rect">
-            <a:avLst/>
-          </a:prstGeom>
-          <a:noFill/>
-        </p:spPr>
-        <p:txBody>
-          <a:bodyPr wrap="square" rtlCol="0">
-            <a:spAutoFit/>
-          </a:bodyPr>
-          <a:lstStyle/>
-          <a:p>
-            <a:r>
-              <a:rPr lang="en-US" dirty="0"/>
-              <a:t>3</a:t>
-            </a:r>
-            <a:endParaRPr lang="en-CN" dirty="0"/>
-          </a:p>
-        </p:txBody>
-      </p:sp>
-      <p:sp>
-        <p:nvSpPr>
-          <p:cNvPr id="42" name="Rectangle 41">
-            <a:extLst>
-              <a:ext uri="{FF2B5EF4-FFF2-40B4-BE49-F238E27FC236}">
-                <a16:creationId xmlns:a16="http://schemas.microsoft.com/office/drawing/2014/main" id="{21A399F1-E040-603F-A03F-DE90352D2BBC}"/>
-              </a:ext>
-            </a:extLst>
-          </p:cNvPr>
-          <p:cNvSpPr/>
+        </p:grpSpPr>
+        <p:sp>
+          <p:nvSpPr>
+            <p:cNvPr id="11" name="Rectangle 10">
+              <a:extLst>
+                <a:ext uri="{FF2B5EF4-FFF2-40B4-BE49-F238E27FC236}">
+                  <a16:creationId xmlns:a16="http://schemas.microsoft.com/office/drawing/2014/main" id="{44B74E5C-CC5A-BE88-074A-870BF3250966}"/>
+                </a:ext>
+              </a:extLst>
+            </p:cNvPr>
+            <p:cNvSpPr/>
+            <p:nvPr/>
+          </p:nvSpPr>
+          <p:spPr>
+            <a:xfrm>
+              <a:off x="2533898" y="1976718"/>
+              <a:ext cx="1801906" cy="941294"/>
+            </a:xfrm>
+            <a:prstGeom prst="rect">
+              <a:avLst/>
+            </a:prstGeom>
+          </p:spPr>
+          <p:style>
+            <a:lnRef idx="1">
+              <a:schemeClr val="accent6"/>
+            </a:lnRef>
+            <a:fillRef idx="2">
+              <a:schemeClr val="accent6"/>
+            </a:fillRef>
+            <a:effectRef idx="1">
+              <a:schemeClr val="accent6"/>
+            </a:effectRef>
+            <a:fontRef idx="minor">
+              <a:schemeClr val="dk1"/>
+            </a:fontRef>
+          </p:style>
+          <p:txBody>
+            <a:bodyPr rtlCol="0" anchor="ctr"/>
+            <a:lstStyle/>
+            <a:p>
+              <a:pPr algn="ctr"/>
+              <a:r>
+                <a:rPr lang="en-CN" dirty="0"/>
+                <a:t>View</a:t>
+              </a:r>
+            </a:p>
+          </p:txBody>
+        </p:sp>
+        <p:sp>
+          <p:nvSpPr>
+            <p:cNvPr id="12" name="Rectangle 11">
+              <a:extLst>
+                <a:ext uri="{FF2B5EF4-FFF2-40B4-BE49-F238E27FC236}">
+                  <a16:creationId xmlns:a16="http://schemas.microsoft.com/office/drawing/2014/main" id="{97D70D78-CC96-2381-B341-3DEBE5387645}"/>
+                </a:ext>
+              </a:extLst>
+            </p:cNvPr>
+            <p:cNvSpPr/>
+            <p:nvPr/>
+          </p:nvSpPr>
+          <p:spPr>
+            <a:xfrm>
+              <a:off x="877479" y="3917576"/>
+              <a:ext cx="1801906" cy="941294"/>
+            </a:xfrm>
+            <a:prstGeom prst="rect">
+              <a:avLst/>
+            </a:prstGeom>
+          </p:spPr>
+          <p:style>
+            <a:lnRef idx="1">
+              <a:schemeClr val="accent6"/>
+            </a:lnRef>
+            <a:fillRef idx="2">
+              <a:schemeClr val="accent6"/>
+            </a:fillRef>
+            <a:effectRef idx="1">
+              <a:schemeClr val="accent6"/>
+            </a:effectRef>
+            <a:fontRef idx="minor">
+              <a:schemeClr val="dk1"/>
+            </a:fontRef>
+          </p:style>
+          <p:txBody>
+            <a:bodyPr rtlCol="0" anchor="ctr"/>
+            <a:lstStyle/>
+            <a:p>
+              <a:pPr algn="ctr"/>
+              <a:r>
+                <a:rPr lang="en-CN" dirty="0"/>
+                <a:t>Controller</a:t>
+              </a:r>
+            </a:p>
+          </p:txBody>
+        </p:sp>
+        <p:sp>
+          <p:nvSpPr>
+            <p:cNvPr id="13" name="Rectangle 12">
+              <a:extLst>
+                <a:ext uri="{FF2B5EF4-FFF2-40B4-BE49-F238E27FC236}">
+                  <a16:creationId xmlns:a16="http://schemas.microsoft.com/office/drawing/2014/main" id="{97B35462-B643-1C64-5BC0-5B3082A12716}"/>
+                </a:ext>
+              </a:extLst>
+            </p:cNvPr>
+            <p:cNvSpPr/>
+            <p:nvPr/>
+          </p:nvSpPr>
+          <p:spPr>
+            <a:xfrm>
+              <a:off x="4024964" y="3917576"/>
+              <a:ext cx="1801906" cy="941294"/>
+            </a:xfrm>
+            <a:prstGeom prst="rect">
+              <a:avLst/>
+            </a:prstGeom>
+          </p:spPr>
+          <p:style>
+            <a:lnRef idx="1">
+              <a:schemeClr val="accent6"/>
+            </a:lnRef>
+            <a:fillRef idx="2">
+              <a:schemeClr val="accent6"/>
+            </a:fillRef>
+            <a:effectRef idx="1">
+              <a:schemeClr val="accent6"/>
+            </a:effectRef>
+            <a:fontRef idx="minor">
+              <a:schemeClr val="dk1"/>
+            </a:fontRef>
+          </p:style>
+          <p:txBody>
+            <a:bodyPr rtlCol="0" anchor="ctr"/>
+            <a:lstStyle/>
+            <a:p>
+              <a:pPr algn="ctr"/>
+              <a:r>
+                <a:rPr lang="en-CN" dirty="0"/>
+                <a:t>Model</a:t>
+              </a:r>
+            </a:p>
+          </p:txBody>
+        </p:sp>
+        <p:cxnSp>
+          <p:nvCxnSpPr>
+            <p:cNvPr id="17" name="Straight Arrow Connector 16">
+              <a:extLst>
+                <a:ext uri="{FF2B5EF4-FFF2-40B4-BE49-F238E27FC236}">
+                  <a16:creationId xmlns:a16="http://schemas.microsoft.com/office/drawing/2014/main" id="{20E30DCB-575C-C343-0CC7-B1DCD5E5BD9E}"/>
+                </a:ext>
+              </a:extLst>
+            </p:cNvPr>
+            <p:cNvCxnSpPr>
+              <a:cxnSpLocks/>
+            </p:cNvCxnSpPr>
+            <p:nvPr/>
+          </p:nvCxnSpPr>
+          <p:spPr>
+            <a:xfrm flipH="1">
+              <a:off x="2163608" y="3073115"/>
+              <a:ext cx="891551" cy="790673"/>
+            </a:xfrm>
+            <a:prstGeom prst="straightConnector1">
+              <a:avLst/>
+            </a:prstGeom>
+            <a:ln>
+              <a:tailEnd type="triangle"/>
+            </a:ln>
+          </p:spPr>
+          <p:style>
+            <a:lnRef idx="1">
+              <a:schemeClr val="accent1"/>
+            </a:lnRef>
+            <a:fillRef idx="0">
+              <a:schemeClr val="accent1"/>
+            </a:fillRef>
+            <a:effectRef idx="0">
+              <a:schemeClr val="accent1"/>
+            </a:effectRef>
+            <a:fontRef idx="minor">
+              <a:schemeClr val="tx1"/>
+            </a:fontRef>
+          </p:style>
+        </p:cxnSp>
+        <p:cxnSp>
+          <p:nvCxnSpPr>
+            <p:cNvPr id="19" name="Straight Arrow Connector 18">
+              <a:extLst>
+                <a:ext uri="{FF2B5EF4-FFF2-40B4-BE49-F238E27FC236}">
+                  <a16:creationId xmlns:a16="http://schemas.microsoft.com/office/drawing/2014/main" id="{FC5D640F-CEEC-4B49-737E-E562675C40D4}"/>
+                </a:ext>
+              </a:extLst>
+            </p:cNvPr>
+            <p:cNvCxnSpPr>
+              <a:cxnSpLocks/>
+            </p:cNvCxnSpPr>
+            <p:nvPr/>
+          </p:nvCxnSpPr>
+          <p:spPr>
+            <a:xfrm>
+              <a:off x="2810494" y="4388223"/>
+              <a:ext cx="1062259" cy="0"/>
+            </a:xfrm>
+            <a:prstGeom prst="straightConnector1">
+              <a:avLst/>
+            </a:prstGeom>
+            <a:ln>
+              <a:tailEnd type="triangle"/>
+            </a:ln>
+          </p:spPr>
+          <p:style>
+            <a:lnRef idx="1">
+              <a:schemeClr val="accent1"/>
+            </a:lnRef>
+            <a:fillRef idx="0">
+              <a:schemeClr val="accent1"/>
+            </a:fillRef>
+            <a:effectRef idx="0">
+              <a:schemeClr val="accent1"/>
+            </a:effectRef>
+            <a:fontRef idx="minor">
+              <a:schemeClr val="tx1"/>
+            </a:fontRef>
+          </p:style>
+        </p:cxnSp>
+        <p:cxnSp>
+          <p:nvCxnSpPr>
+            <p:cNvPr id="21" name="Straight Arrow Connector 20">
+              <a:extLst>
+                <a:ext uri="{FF2B5EF4-FFF2-40B4-BE49-F238E27FC236}">
+                  <a16:creationId xmlns:a16="http://schemas.microsoft.com/office/drawing/2014/main" id="{7C8EB94F-5BA7-4B07-8FF7-1F845213B5D3}"/>
+                </a:ext>
+              </a:extLst>
+            </p:cNvPr>
+            <p:cNvCxnSpPr>
+              <a:cxnSpLocks/>
+            </p:cNvCxnSpPr>
+            <p:nvPr/>
+          </p:nvCxnSpPr>
+          <p:spPr>
+            <a:xfrm flipH="1" flipV="1">
+              <a:off x="3645272" y="3039455"/>
+              <a:ext cx="849750" cy="770546"/>
+            </a:xfrm>
+            <a:prstGeom prst="straightConnector1">
+              <a:avLst/>
+            </a:prstGeom>
+            <a:ln>
+              <a:tailEnd type="triangle"/>
+            </a:ln>
+          </p:spPr>
+          <p:style>
+            <a:lnRef idx="1">
+              <a:schemeClr val="accent1"/>
+            </a:lnRef>
+            <a:fillRef idx="0">
+              <a:schemeClr val="accent1"/>
+            </a:fillRef>
+            <a:effectRef idx="0">
+              <a:schemeClr val="accent1"/>
+            </a:effectRef>
+            <a:fontRef idx="minor">
+              <a:schemeClr val="tx1"/>
+            </a:fontRef>
+          </p:style>
+        </p:cxnSp>
+        <p:sp>
+          <p:nvSpPr>
+            <p:cNvPr id="24" name="TextBox 23">
+              <a:extLst>
+                <a:ext uri="{FF2B5EF4-FFF2-40B4-BE49-F238E27FC236}">
+                  <a16:creationId xmlns:a16="http://schemas.microsoft.com/office/drawing/2014/main" id="{4F3F0F56-EBD9-7793-B82F-94DA809DBF1D}"/>
+                </a:ext>
+              </a:extLst>
+            </p:cNvPr>
+            <p:cNvSpPr txBox="1"/>
+            <p:nvPr/>
+          </p:nvSpPr>
+          <p:spPr>
+            <a:xfrm>
+              <a:off x="2515531" y="3261374"/>
+              <a:ext cx="294963" cy="369332"/>
+            </a:xfrm>
+            <a:prstGeom prst="rect">
+              <a:avLst/>
+            </a:prstGeom>
+            <a:noFill/>
+          </p:spPr>
+          <p:txBody>
+            <a:bodyPr wrap="square" rtlCol="0">
+              <a:spAutoFit/>
+            </a:bodyPr>
+            <a:lstStyle/>
+            <a:p>
+              <a:r>
+                <a:rPr lang="en-CN" dirty="0"/>
+                <a:t>1</a:t>
+              </a:r>
+            </a:p>
+          </p:txBody>
+        </p:sp>
+        <p:sp>
+          <p:nvSpPr>
+            <p:cNvPr id="25" name="TextBox 24">
+              <a:extLst>
+                <a:ext uri="{FF2B5EF4-FFF2-40B4-BE49-F238E27FC236}">
+                  <a16:creationId xmlns:a16="http://schemas.microsoft.com/office/drawing/2014/main" id="{28A70F43-53CB-5073-B75F-3D7F1F19FB1A}"/>
+                </a:ext>
+              </a:extLst>
+            </p:cNvPr>
+            <p:cNvSpPr txBox="1"/>
+            <p:nvPr/>
+          </p:nvSpPr>
+          <p:spPr>
+            <a:xfrm>
+              <a:off x="3133165" y="4244788"/>
+              <a:ext cx="301686" cy="369332"/>
+            </a:xfrm>
+            <a:prstGeom prst="rect">
+              <a:avLst/>
+            </a:prstGeom>
+            <a:noFill/>
+          </p:spPr>
+          <p:txBody>
+            <a:bodyPr wrap="none" rtlCol="0">
+              <a:spAutoFit/>
+            </a:bodyPr>
+            <a:lstStyle/>
+            <a:p>
+              <a:r>
+                <a:rPr lang="en-CN" dirty="0"/>
+                <a:t>2</a:t>
+              </a:r>
+            </a:p>
+          </p:txBody>
+        </p:sp>
+        <p:sp>
+          <p:nvSpPr>
+            <p:cNvPr id="33" name="TextBox 32">
+              <a:extLst>
+                <a:ext uri="{FF2B5EF4-FFF2-40B4-BE49-F238E27FC236}">
+                  <a16:creationId xmlns:a16="http://schemas.microsoft.com/office/drawing/2014/main" id="{E5BAAEEA-121E-4944-2D26-E62D62E66736}"/>
+                </a:ext>
+              </a:extLst>
+            </p:cNvPr>
+            <p:cNvSpPr txBox="1"/>
+            <p:nvPr/>
+          </p:nvSpPr>
+          <p:spPr>
+            <a:xfrm flipH="1">
+              <a:off x="4024964" y="3281083"/>
+              <a:ext cx="959130" cy="369332"/>
+            </a:xfrm>
+            <a:prstGeom prst="rect">
+              <a:avLst/>
+            </a:prstGeom>
+            <a:noFill/>
+          </p:spPr>
+          <p:txBody>
+            <a:bodyPr wrap="square" rtlCol="0">
+              <a:spAutoFit/>
+            </a:bodyPr>
+            <a:lstStyle/>
+            <a:p>
+              <a:r>
+                <a:rPr lang="en-US" dirty="0"/>
+                <a:t>3</a:t>
+              </a:r>
+              <a:endParaRPr lang="en-CN" dirty="0"/>
+            </a:p>
+          </p:txBody>
+        </p:sp>
+        <p:sp>
+          <p:nvSpPr>
+            <p:cNvPr id="73" name="TextBox 72">
+              <a:extLst>
+                <a:ext uri="{FF2B5EF4-FFF2-40B4-BE49-F238E27FC236}">
+                  <a16:creationId xmlns:a16="http://schemas.microsoft.com/office/drawing/2014/main" id="{43773C74-0E06-C618-35D9-48407230F6C3}"/>
+                </a:ext>
+              </a:extLst>
+            </p:cNvPr>
+            <p:cNvSpPr txBox="1"/>
+            <p:nvPr/>
+          </p:nvSpPr>
+          <p:spPr>
+            <a:xfrm>
+              <a:off x="838200" y="5300003"/>
+              <a:ext cx="1107996" cy="369332"/>
+            </a:xfrm>
+            <a:prstGeom prst="rect">
+              <a:avLst/>
+            </a:prstGeom>
+            <a:noFill/>
+          </p:spPr>
+          <p:txBody>
+            <a:bodyPr wrap="none" rtlCol="0">
+              <a:spAutoFit/>
+            </a:bodyPr>
+            <a:lstStyle/>
+            <a:p>
+              <a:r>
+                <a:rPr lang="en-CN" dirty="0"/>
+                <a:t>标准模式</a:t>
+              </a:r>
+            </a:p>
+          </p:txBody>
+        </p:sp>
+        <p:sp>
+          <p:nvSpPr>
+            <p:cNvPr id="6" name="TextBox 5">
+              <a:extLst>
+                <a:ext uri="{FF2B5EF4-FFF2-40B4-BE49-F238E27FC236}">
+                  <a16:creationId xmlns:a16="http://schemas.microsoft.com/office/drawing/2014/main" id="{534B6758-F505-7D19-3898-4E665AD83155}"/>
+                </a:ext>
+              </a:extLst>
+            </p:cNvPr>
+            <p:cNvSpPr txBox="1"/>
+            <p:nvPr/>
+          </p:nvSpPr>
+          <p:spPr>
+            <a:xfrm>
+              <a:off x="1935942" y="5383305"/>
+              <a:ext cx="1119217" cy="369332"/>
+            </a:xfrm>
+            <a:prstGeom prst="rect">
+              <a:avLst/>
+            </a:prstGeom>
+            <a:noFill/>
+          </p:spPr>
+          <p:txBody>
+            <a:bodyPr wrap="none" rtlCol="0">
+              <a:spAutoFit/>
+            </a:bodyPr>
+            <a:lstStyle/>
+            <a:p>
+              <a:r>
+                <a:rPr lang="en-CN" dirty="0"/>
+                <a:t>1 -&gt; 2 -&gt; 3</a:t>
+              </a:r>
+            </a:p>
+          </p:txBody>
+        </p:sp>
+      </p:grpSp>
+      <p:grpSp>
+        <p:nvGrpSpPr>
+          <p:cNvPr id="14" name="Group 13">
+            <a:extLst>
+              <a:ext uri="{FF2B5EF4-FFF2-40B4-BE49-F238E27FC236}">
+                <a16:creationId xmlns:a16="http://schemas.microsoft.com/office/drawing/2014/main" id="{0F8941C7-01AA-5387-7029-9A2358CDA065}"/>
+              </a:ext>
+            </a:extLst>
+          </p:cNvPr>
+          <p:cNvGrpSpPr/>
           <p:nvPr/>
-        </p:nvSpPr>
-        <p:spPr>
+        </p:nvGrpSpPr>
+        <p:grpSpPr>
           <a:xfrm>
-            <a:off x="8226486" y="1976718"/>
-            <a:ext cx="1801906" cy="941294"/>
+            <a:off x="6518737" y="1976718"/>
+            <a:ext cx="5000721" cy="3971037"/>
+            <a:chOff x="6518737" y="1976718"/>
+            <a:chExt cx="5000721" cy="3971037"/>
           </a:xfrm>
-          <a:prstGeom prst="rect">
-            <a:avLst/>
-          </a:prstGeom>
-        </p:spPr>
-        <p:style>
-          <a:lnRef idx="1">
-            <a:schemeClr val="accent6"/>
-          </a:lnRef>
-          <a:fillRef idx="2">
-            <a:schemeClr val="accent6"/>
-          </a:fillRef>
-          <a:effectRef idx="1">
-            <a:schemeClr val="accent6"/>
-          </a:effectRef>
-          <a:fontRef idx="minor">
-            <a:schemeClr val="dk1"/>
-          </a:fontRef>
-        </p:style>
-        <p:txBody>
-          <a:bodyPr rtlCol="0" anchor="ctr"/>
-          <a:lstStyle/>
-          <a:p>
-            <a:pPr algn="ctr"/>
-            <a:r>
-              <a:rPr lang="en-CN" dirty="0"/>
-              <a:t>View</a:t>
-            </a:r>
-          </a:p>
-        </p:txBody>
-      </p:sp>
-      <p:sp>
-        <p:nvSpPr>
-          <p:cNvPr id="43" name="Rectangle 42">
-            <a:extLst>
-              <a:ext uri="{FF2B5EF4-FFF2-40B4-BE49-F238E27FC236}">
-                <a16:creationId xmlns:a16="http://schemas.microsoft.com/office/drawing/2014/main" id="{703CE560-664E-E933-3D1B-5B1452F85FCB}"/>
-              </a:ext>
-            </a:extLst>
-          </p:cNvPr>
-          <p:cNvSpPr/>
-          <p:nvPr/>
-        </p:nvSpPr>
-        <p:spPr>
-          <a:xfrm>
-            <a:off x="6534775" y="3917576"/>
-            <a:ext cx="1801906" cy="941294"/>
-          </a:xfrm>
-          <a:prstGeom prst="rect">
-            <a:avLst/>
-          </a:prstGeom>
-        </p:spPr>
-        <p:style>
-          <a:lnRef idx="1">
-            <a:schemeClr val="accent6"/>
-          </a:lnRef>
-          <a:fillRef idx="2">
-            <a:schemeClr val="accent6"/>
-          </a:fillRef>
-          <a:effectRef idx="1">
-            <a:schemeClr val="accent6"/>
-          </a:effectRef>
-          <a:fontRef idx="minor">
-            <a:schemeClr val="dk1"/>
-          </a:fontRef>
-        </p:style>
-        <p:txBody>
-          <a:bodyPr rtlCol="0" anchor="ctr"/>
-          <a:lstStyle/>
-          <a:p>
-            <a:pPr algn="ctr"/>
-            <a:r>
-              <a:rPr lang="en-CN" dirty="0"/>
-              <a:t>Controller</a:t>
-            </a:r>
-          </a:p>
-        </p:txBody>
-      </p:sp>
-      <p:sp>
-        <p:nvSpPr>
-          <p:cNvPr id="44" name="Rectangle 43">
-            <a:extLst>
-              <a:ext uri="{FF2B5EF4-FFF2-40B4-BE49-F238E27FC236}">
-                <a16:creationId xmlns:a16="http://schemas.microsoft.com/office/drawing/2014/main" id="{5CD5937D-FC18-01AB-809D-F82238BEB094}"/>
-              </a:ext>
-            </a:extLst>
-          </p:cNvPr>
-          <p:cNvSpPr/>
-          <p:nvPr/>
-        </p:nvSpPr>
-        <p:spPr>
-          <a:xfrm>
-            <a:off x="9717552" y="3917576"/>
-            <a:ext cx="1801906" cy="941294"/>
-          </a:xfrm>
-          <a:prstGeom prst="rect">
-            <a:avLst/>
-          </a:prstGeom>
-        </p:spPr>
-        <p:style>
-          <a:lnRef idx="1">
-            <a:schemeClr val="accent6"/>
-          </a:lnRef>
-          <a:fillRef idx="2">
-            <a:schemeClr val="accent6"/>
-          </a:fillRef>
-          <a:effectRef idx="1">
-            <a:schemeClr val="accent6"/>
-          </a:effectRef>
-          <a:fontRef idx="minor">
-            <a:schemeClr val="dk1"/>
-          </a:fontRef>
-        </p:style>
-        <p:txBody>
-          <a:bodyPr rtlCol="0" anchor="ctr"/>
-          <a:lstStyle/>
-          <a:p>
-            <a:pPr algn="ctr"/>
-            <a:r>
-              <a:rPr lang="en-CN" dirty="0"/>
-              <a:t>Model</a:t>
-            </a:r>
-          </a:p>
-        </p:txBody>
-      </p:sp>
-      <p:cxnSp>
-        <p:nvCxnSpPr>
-          <p:cNvPr id="45" name="Straight Arrow Connector 44">
-            <a:extLst>
-              <a:ext uri="{FF2B5EF4-FFF2-40B4-BE49-F238E27FC236}">
-                <a16:creationId xmlns:a16="http://schemas.microsoft.com/office/drawing/2014/main" id="{A58B2A7E-4A82-F0E9-81DE-648C3BA08553}"/>
-              </a:ext>
-            </a:extLst>
-          </p:cNvPr>
-          <p:cNvCxnSpPr>
-            <a:cxnSpLocks/>
-            <a:stCxn id="48" idx="0"/>
-          </p:cNvCxnSpPr>
-          <p:nvPr/>
-        </p:nvCxnSpPr>
-        <p:spPr>
-          <a:xfrm flipH="1">
-            <a:off x="7723036" y="3073115"/>
-            <a:ext cx="1172193" cy="790673"/>
-          </a:xfrm>
-          <a:prstGeom prst="straightConnector1">
-            <a:avLst/>
-          </a:prstGeom>
-          <a:ln>
-            <a:tailEnd type="triangle"/>
-          </a:ln>
-        </p:spPr>
-        <p:style>
-          <a:lnRef idx="1">
-            <a:schemeClr val="accent1"/>
-          </a:lnRef>
-          <a:fillRef idx="0">
-            <a:schemeClr val="accent1"/>
-          </a:fillRef>
-          <a:effectRef idx="0">
-            <a:schemeClr val="accent1"/>
-          </a:effectRef>
-          <a:fontRef idx="minor">
-            <a:schemeClr val="tx1"/>
-          </a:fontRef>
-        </p:style>
-      </p:cxnSp>
-      <p:cxnSp>
-        <p:nvCxnSpPr>
-          <p:cNvPr id="46" name="Straight Arrow Connector 45">
-            <a:extLst>
-              <a:ext uri="{FF2B5EF4-FFF2-40B4-BE49-F238E27FC236}">
-                <a16:creationId xmlns:a16="http://schemas.microsoft.com/office/drawing/2014/main" id="{66CD94E6-102B-B389-4A02-4E86179411CE}"/>
-              </a:ext>
-            </a:extLst>
-          </p:cNvPr>
-          <p:cNvCxnSpPr>
-            <a:cxnSpLocks/>
-          </p:cNvCxnSpPr>
-          <p:nvPr/>
-        </p:nvCxnSpPr>
-        <p:spPr>
-          <a:xfrm>
-            <a:off x="8552329" y="4429454"/>
-            <a:ext cx="995083" cy="0"/>
-          </a:xfrm>
-          <a:prstGeom prst="straightConnector1">
-            <a:avLst/>
-          </a:prstGeom>
-          <a:ln>
-            <a:tailEnd type="triangle"/>
-          </a:ln>
-        </p:spPr>
-        <p:style>
-          <a:lnRef idx="1">
-            <a:schemeClr val="accent1"/>
-          </a:lnRef>
-          <a:fillRef idx="0">
-            <a:schemeClr val="accent1"/>
-          </a:fillRef>
-          <a:effectRef idx="0">
-            <a:schemeClr val="accent1"/>
-          </a:effectRef>
-          <a:fontRef idx="minor">
-            <a:schemeClr val="tx1"/>
-          </a:fontRef>
-        </p:style>
-      </p:cxnSp>
-      <p:cxnSp>
-        <p:nvCxnSpPr>
-          <p:cNvPr id="47" name="Straight Arrow Connector 46">
-            <a:extLst>
-              <a:ext uri="{FF2B5EF4-FFF2-40B4-BE49-F238E27FC236}">
-                <a16:creationId xmlns:a16="http://schemas.microsoft.com/office/drawing/2014/main" id="{5FDA9ABA-14E1-AC1B-339E-E5AB41AF675D}"/>
-              </a:ext>
-            </a:extLst>
-          </p:cNvPr>
-          <p:cNvCxnSpPr>
-            <a:cxnSpLocks/>
-          </p:cNvCxnSpPr>
-          <p:nvPr/>
-        </p:nvCxnSpPr>
-        <p:spPr>
-          <a:xfrm flipH="1" flipV="1">
-            <a:off x="9384301" y="3069985"/>
-            <a:ext cx="1110446" cy="684876"/>
-          </a:xfrm>
-          <a:prstGeom prst="straightConnector1">
-            <a:avLst/>
-          </a:prstGeom>
-          <a:ln>
-            <a:tailEnd type="triangle"/>
-          </a:ln>
-        </p:spPr>
-        <p:style>
-          <a:lnRef idx="1">
-            <a:schemeClr val="accent1"/>
-          </a:lnRef>
-          <a:fillRef idx="0">
-            <a:schemeClr val="accent1"/>
-          </a:fillRef>
-          <a:effectRef idx="0">
-            <a:schemeClr val="accent1"/>
-          </a:effectRef>
-          <a:fontRef idx="minor">
-            <a:schemeClr val="tx1"/>
-          </a:fontRef>
-        </p:style>
-      </p:cxnSp>
-      <p:sp>
-        <p:nvSpPr>
-          <p:cNvPr id="48" name="TextBox 47">
-            <a:extLst>
-              <a:ext uri="{FF2B5EF4-FFF2-40B4-BE49-F238E27FC236}">
-                <a16:creationId xmlns:a16="http://schemas.microsoft.com/office/drawing/2014/main" id="{E9924238-FFAC-509B-B14C-EAD6FE4ADE18}"/>
-              </a:ext>
-            </a:extLst>
-          </p:cNvPr>
-          <p:cNvSpPr txBox="1"/>
-          <p:nvPr/>
-        </p:nvSpPr>
-        <p:spPr>
-          <a:xfrm>
-            <a:off x="8747747" y="3073115"/>
-            <a:ext cx="294963" cy="369332"/>
-          </a:xfrm>
-          <a:prstGeom prst="rect">
-            <a:avLst/>
-          </a:prstGeom>
-          <a:noFill/>
-        </p:spPr>
-        <p:txBody>
-          <a:bodyPr wrap="square" rtlCol="0">
-            <a:spAutoFit/>
-          </a:bodyPr>
-          <a:lstStyle/>
-          <a:p>
-            <a:r>
-              <a:rPr lang="en-CN" dirty="0"/>
-              <a:t>1</a:t>
-            </a:r>
-          </a:p>
-        </p:txBody>
-      </p:sp>
-      <p:sp>
-        <p:nvSpPr>
-          <p:cNvPr id="49" name="TextBox 48">
-            <a:extLst>
-              <a:ext uri="{FF2B5EF4-FFF2-40B4-BE49-F238E27FC236}">
-                <a16:creationId xmlns:a16="http://schemas.microsoft.com/office/drawing/2014/main" id="{3E2C7E1A-D039-F6D3-BE46-9C23A693C144}"/>
-              </a:ext>
-            </a:extLst>
-          </p:cNvPr>
-          <p:cNvSpPr txBox="1"/>
-          <p:nvPr/>
-        </p:nvSpPr>
-        <p:spPr>
-          <a:xfrm>
-            <a:off x="8926794" y="4203557"/>
-            <a:ext cx="301686" cy="369332"/>
-          </a:xfrm>
-          <a:prstGeom prst="rect">
-            <a:avLst/>
-          </a:prstGeom>
-          <a:noFill/>
-        </p:spPr>
-        <p:txBody>
-          <a:bodyPr wrap="none" rtlCol="0">
-            <a:spAutoFit/>
-          </a:bodyPr>
-          <a:lstStyle/>
-          <a:p>
-            <a:r>
-              <a:rPr lang="en-CN" dirty="0"/>
-              <a:t>2</a:t>
-            </a:r>
-          </a:p>
-        </p:txBody>
-      </p:sp>
-      <p:sp>
-        <p:nvSpPr>
-          <p:cNvPr id="50" name="TextBox 49">
-            <a:extLst>
-              <a:ext uri="{FF2B5EF4-FFF2-40B4-BE49-F238E27FC236}">
-                <a16:creationId xmlns:a16="http://schemas.microsoft.com/office/drawing/2014/main" id="{D7A1F57F-0FFD-0C03-EF7F-00A7E10B02E8}"/>
-              </a:ext>
-            </a:extLst>
-          </p:cNvPr>
-          <p:cNvSpPr txBox="1"/>
-          <p:nvPr/>
-        </p:nvSpPr>
-        <p:spPr>
-          <a:xfrm flipH="1">
-            <a:off x="9717552" y="3281083"/>
-            <a:ext cx="436532" cy="369332"/>
-          </a:xfrm>
-          <a:prstGeom prst="rect">
-            <a:avLst/>
-          </a:prstGeom>
-          <a:noFill/>
-        </p:spPr>
-        <p:txBody>
-          <a:bodyPr wrap="square" rtlCol="0">
-            <a:spAutoFit/>
-          </a:bodyPr>
-          <a:lstStyle/>
-          <a:p>
-            <a:r>
-              <a:rPr lang="en-CN" dirty="0"/>
-              <a:t>3</a:t>
-            </a:r>
-          </a:p>
-        </p:txBody>
-      </p:sp>
-      <p:sp>
-        <p:nvSpPr>
-          <p:cNvPr id="51" name="TextBox 50">
-            <a:extLst>
-              <a:ext uri="{FF2B5EF4-FFF2-40B4-BE49-F238E27FC236}">
-                <a16:creationId xmlns:a16="http://schemas.microsoft.com/office/drawing/2014/main" id="{CBB49ACD-A5D0-40FD-2244-B9FEF742B2EB}"/>
-              </a:ext>
-            </a:extLst>
-          </p:cNvPr>
-          <p:cNvSpPr txBox="1"/>
-          <p:nvPr/>
-        </p:nvSpPr>
-        <p:spPr>
-          <a:xfrm>
-            <a:off x="8248897" y="5484669"/>
-            <a:ext cx="3270561" cy="646331"/>
-          </a:xfrm>
-          <a:prstGeom prst="rect">
-            <a:avLst/>
-          </a:prstGeom>
-          <a:noFill/>
-        </p:spPr>
-        <p:txBody>
-          <a:bodyPr wrap="square" rtlCol="0">
-            <a:spAutoFit/>
-          </a:bodyPr>
-          <a:lstStyle/>
-          <a:p>
-            <a:r>
-              <a:rPr lang="zh-CN" altLang="en-US" dirty="0"/>
-              <a:t>变体：实际开发中使用，</a:t>
-            </a:r>
-            <a:r>
-              <a:rPr lang="en-US" altLang="zh-CN" dirty="0"/>
-              <a:t>Controller</a:t>
-            </a:r>
-            <a:r>
-              <a:rPr lang="zh-CN" altLang="en-US" dirty="0"/>
-              <a:t> 也可以更新</a:t>
-            </a:r>
-            <a:r>
-              <a:rPr lang="en-US" altLang="zh-CN" dirty="0"/>
-              <a:t>View</a:t>
-            </a:r>
-            <a:endParaRPr lang="en-CN" dirty="0"/>
-          </a:p>
-        </p:txBody>
-      </p:sp>
-      <p:cxnSp>
-        <p:nvCxnSpPr>
-          <p:cNvPr id="72" name="Straight Arrow Connector 71">
-            <a:extLst>
-              <a:ext uri="{FF2B5EF4-FFF2-40B4-BE49-F238E27FC236}">
-                <a16:creationId xmlns:a16="http://schemas.microsoft.com/office/drawing/2014/main" id="{707FA077-4C6D-E856-58DD-F4295E1B8EE5}"/>
-              </a:ext>
-            </a:extLst>
-          </p:cNvPr>
-          <p:cNvCxnSpPr/>
-          <p:nvPr/>
-        </p:nvCxnSpPr>
-        <p:spPr>
-          <a:xfrm flipV="1">
-            <a:off x="7167282" y="3039455"/>
-            <a:ext cx="1141850" cy="770546"/>
-          </a:xfrm>
-          <a:prstGeom prst="straightConnector1">
-            <a:avLst/>
-          </a:prstGeom>
-          <a:ln>
-            <a:tailEnd type="triangle"/>
-          </a:ln>
-        </p:spPr>
-        <p:style>
-          <a:lnRef idx="1">
-            <a:schemeClr val="accent1"/>
-          </a:lnRef>
-          <a:fillRef idx="0">
-            <a:schemeClr val="accent1"/>
-          </a:fillRef>
-          <a:effectRef idx="0">
-            <a:schemeClr val="accent1"/>
-          </a:effectRef>
-          <a:fontRef idx="minor">
-            <a:schemeClr val="tx1"/>
-          </a:fontRef>
-        </p:style>
-      </p:cxnSp>
-      <p:sp>
-        <p:nvSpPr>
-          <p:cNvPr id="73" name="TextBox 72">
-            <a:extLst>
-              <a:ext uri="{FF2B5EF4-FFF2-40B4-BE49-F238E27FC236}">
-                <a16:creationId xmlns:a16="http://schemas.microsoft.com/office/drawing/2014/main" id="{43773C74-0E06-C618-35D9-48407230F6C3}"/>
-              </a:ext>
-            </a:extLst>
-          </p:cNvPr>
-          <p:cNvSpPr txBox="1"/>
-          <p:nvPr/>
-        </p:nvSpPr>
-        <p:spPr>
-          <a:xfrm>
-            <a:off x="2017059" y="5338482"/>
-            <a:ext cx="1107996" cy="369332"/>
-          </a:xfrm>
-          <a:prstGeom prst="rect">
-            <a:avLst/>
-          </a:prstGeom>
-          <a:noFill/>
-        </p:spPr>
-        <p:txBody>
-          <a:bodyPr wrap="none" rtlCol="0">
-            <a:spAutoFit/>
-          </a:bodyPr>
-          <a:lstStyle/>
-          <a:p>
-            <a:r>
-              <a:rPr lang="en-CN" dirty="0"/>
-              <a:t>标准模式</a:t>
-            </a:r>
-          </a:p>
-        </p:txBody>
-      </p:sp>
+        </p:grpSpPr>
+        <p:sp>
+          <p:nvSpPr>
+            <p:cNvPr id="42" name="Rectangle 41">
+              <a:extLst>
+                <a:ext uri="{FF2B5EF4-FFF2-40B4-BE49-F238E27FC236}">
+                  <a16:creationId xmlns:a16="http://schemas.microsoft.com/office/drawing/2014/main" id="{21A399F1-E040-603F-A03F-DE90352D2BBC}"/>
+                </a:ext>
+              </a:extLst>
+            </p:cNvPr>
+            <p:cNvSpPr/>
+            <p:nvPr/>
+          </p:nvSpPr>
+          <p:spPr>
+            <a:xfrm>
+              <a:off x="8226486" y="1976718"/>
+              <a:ext cx="1801906" cy="941294"/>
+            </a:xfrm>
+            <a:prstGeom prst="rect">
+              <a:avLst/>
+            </a:prstGeom>
+          </p:spPr>
+          <p:style>
+            <a:lnRef idx="1">
+              <a:schemeClr val="accent6"/>
+            </a:lnRef>
+            <a:fillRef idx="2">
+              <a:schemeClr val="accent6"/>
+            </a:fillRef>
+            <a:effectRef idx="1">
+              <a:schemeClr val="accent6"/>
+            </a:effectRef>
+            <a:fontRef idx="minor">
+              <a:schemeClr val="dk1"/>
+            </a:fontRef>
+          </p:style>
+          <p:txBody>
+            <a:bodyPr rtlCol="0" anchor="ctr"/>
+            <a:lstStyle/>
+            <a:p>
+              <a:pPr algn="ctr"/>
+              <a:r>
+                <a:rPr lang="en-CN" dirty="0"/>
+                <a:t>View</a:t>
+              </a:r>
+            </a:p>
+          </p:txBody>
+        </p:sp>
+        <p:sp>
+          <p:nvSpPr>
+            <p:cNvPr id="43" name="Rectangle 42">
+              <a:extLst>
+                <a:ext uri="{FF2B5EF4-FFF2-40B4-BE49-F238E27FC236}">
+                  <a16:creationId xmlns:a16="http://schemas.microsoft.com/office/drawing/2014/main" id="{703CE560-664E-E933-3D1B-5B1452F85FCB}"/>
+                </a:ext>
+              </a:extLst>
+            </p:cNvPr>
+            <p:cNvSpPr/>
+            <p:nvPr/>
+          </p:nvSpPr>
+          <p:spPr>
+            <a:xfrm>
+              <a:off x="6534775" y="3917576"/>
+              <a:ext cx="1801906" cy="941294"/>
+            </a:xfrm>
+            <a:prstGeom prst="rect">
+              <a:avLst/>
+            </a:prstGeom>
+          </p:spPr>
+          <p:style>
+            <a:lnRef idx="1">
+              <a:schemeClr val="accent6"/>
+            </a:lnRef>
+            <a:fillRef idx="2">
+              <a:schemeClr val="accent6"/>
+            </a:fillRef>
+            <a:effectRef idx="1">
+              <a:schemeClr val="accent6"/>
+            </a:effectRef>
+            <a:fontRef idx="minor">
+              <a:schemeClr val="dk1"/>
+            </a:fontRef>
+          </p:style>
+          <p:txBody>
+            <a:bodyPr rtlCol="0" anchor="ctr"/>
+            <a:lstStyle/>
+            <a:p>
+              <a:pPr algn="ctr"/>
+              <a:r>
+                <a:rPr lang="en-CN" dirty="0"/>
+                <a:t>Controller</a:t>
+              </a:r>
+            </a:p>
+          </p:txBody>
+        </p:sp>
+        <p:sp>
+          <p:nvSpPr>
+            <p:cNvPr id="44" name="Rectangle 43">
+              <a:extLst>
+                <a:ext uri="{FF2B5EF4-FFF2-40B4-BE49-F238E27FC236}">
+                  <a16:creationId xmlns:a16="http://schemas.microsoft.com/office/drawing/2014/main" id="{5CD5937D-FC18-01AB-809D-F82238BEB094}"/>
+                </a:ext>
+              </a:extLst>
+            </p:cNvPr>
+            <p:cNvSpPr/>
+            <p:nvPr/>
+          </p:nvSpPr>
+          <p:spPr>
+            <a:xfrm>
+              <a:off x="9717552" y="3917576"/>
+              <a:ext cx="1801906" cy="941294"/>
+            </a:xfrm>
+            <a:prstGeom prst="rect">
+              <a:avLst/>
+            </a:prstGeom>
+          </p:spPr>
+          <p:style>
+            <a:lnRef idx="1">
+              <a:schemeClr val="accent6"/>
+            </a:lnRef>
+            <a:fillRef idx="2">
+              <a:schemeClr val="accent6"/>
+            </a:fillRef>
+            <a:effectRef idx="1">
+              <a:schemeClr val="accent6"/>
+            </a:effectRef>
+            <a:fontRef idx="minor">
+              <a:schemeClr val="dk1"/>
+            </a:fontRef>
+          </p:style>
+          <p:txBody>
+            <a:bodyPr rtlCol="0" anchor="ctr"/>
+            <a:lstStyle/>
+            <a:p>
+              <a:pPr algn="ctr"/>
+              <a:r>
+                <a:rPr lang="en-CN" dirty="0"/>
+                <a:t>Model</a:t>
+              </a:r>
+            </a:p>
+          </p:txBody>
+        </p:sp>
+        <p:cxnSp>
+          <p:nvCxnSpPr>
+            <p:cNvPr id="45" name="Straight Arrow Connector 44">
+              <a:extLst>
+                <a:ext uri="{FF2B5EF4-FFF2-40B4-BE49-F238E27FC236}">
+                  <a16:creationId xmlns:a16="http://schemas.microsoft.com/office/drawing/2014/main" id="{A58B2A7E-4A82-F0E9-81DE-648C3BA08553}"/>
+                </a:ext>
+              </a:extLst>
+            </p:cNvPr>
+            <p:cNvCxnSpPr>
+              <a:cxnSpLocks/>
+              <a:stCxn id="48" idx="0"/>
+            </p:cNvCxnSpPr>
+            <p:nvPr/>
+          </p:nvCxnSpPr>
+          <p:spPr>
+            <a:xfrm flipH="1">
+              <a:off x="7723036" y="3073115"/>
+              <a:ext cx="1172193" cy="790673"/>
+            </a:xfrm>
+            <a:prstGeom prst="straightConnector1">
+              <a:avLst/>
+            </a:prstGeom>
+            <a:ln>
+              <a:tailEnd type="triangle"/>
+            </a:ln>
+          </p:spPr>
+          <p:style>
+            <a:lnRef idx="1">
+              <a:schemeClr val="accent1"/>
+            </a:lnRef>
+            <a:fillRef idx="0">
+              <a:schemeClr val="accent1"/>
+            </a:fillRef>
+            <a:effectRef idx="0">
+              <a:schemeClr val="accent1"/>
+            </a:effectRef>
+            <a:fontRef idx="minor">
+              <a:schemeClr val="tx1"/>
+            </a:fontRef>
+          </p:style>
+        </p:cxnSp>
+        <p:cxnSp>
+          <p:nvCxnSpPr>
+            <p:cNvPr id="46" name="Straight Arrow Connector 45">
+              <a:extLst>
+                <a:ext uri="{FF2B5EF4-FFF2-40B4-BE49-F238E27FC236}">
+                  <a16:creationId xmlns:a16="http://schemas.microsoft.com/office/drawing/2014/main" id="{66CD94E6-102B-B389-4A02-4E86179411CE}"/>
+                </a:ext>
+              </a:extLst>
+            </p:cNvPr>
+            <p:cNvCxnSpPr>
+              <a:cxnSpLocks/>
+            </p:cNvCxnSpPr>
+            <p:nvPr/>
+          </p:nvCxnSpPr>
+          <p:spPr>
+            <a:xfrm>
+              <a:off x="8552329" y="4429454"/>
+              <a:ext cx="995083" cy="0"/>
+            </a:xfrm>
+            <a:prstGeom prst="straightConnector1">
+              <a:avLst/>
+            </a:prstGeom>
+            <a:ln>
+              <a:tailEnd type="triangle"/>
+            </a:ln>
+          </p:spPr>
+          <p:style>
+            <a:lnRef idx="1">
+              <a:schemeClr val="accent1"/>
+            </a:lnRef>
+            <a:fillRef idx="0">
+              <a:schemeClr val="accent1"/>
+            </a:fillRef>
+            <a:effectRef idx="0">
+              <a:schemeClr val="accent1"/>
+            </a:effectRef>
+            <a:fontRef idx="minor">
+              <a:schemeClr val="tx1"/>
+            </a:fontRef>
+          </p:style>
+        </p:cxnSp>
+        <p:cxnSp>
+          <p:nvCxnSpPr>
+            <p:cNvPr id="47" name="Straight Arrow Connector 46">
+              <a:extLst>
+                <a:ext uri="{FF2B5EF4-FFF2-40B4-BE49-F238E27FC236}">
+                  <a16:creationId xmlns:a16="http://schemas.microsoft.com/office/drawing/2014/main" id="{5FDA9ABA-14E1-AC1B-339E-E5AB41AF675D}"/>
+                </a:ext>
+              </a:extLst>
+            </p:cNvPr>
+            <p:cNvCxnSpPr>
+              <a:cxnSpLocks/>
+            </p:cNvCxnSpPr>
+            <p:nvPr/>
+          </p:nvCxnSpPr>
+          <p:spPr>
+            <a:xfrm flipH="1" flipV="1">
+              <a:off x="9384301" y="3069985"/>
+              <a:ext cx="1110446" cy="684876"/>
+            </a:xfrm>
+            <a:prstGeom prst="straightConnector1">
+              <a:avLst/>
+            </a:prstGeom>
+            <a:ln>
+              <a:tailEnd type="triangle"/>
+            </a:ln>
+          </p:spPr>
+          <p:style>
+            <a:lnRef idx="1">
+              <a:schemeClr val="accent1"/>
+            </a:lnRef>
+            <a:fillRef idx="0">
+              <a:schemeClr val="accent1"/>
+            </a:fillRef>
+            <a:effectRef idx="0">
+              <a:schemeClr val="accent1"/>
+            </a:effectRef>
+            <a:fontRef idx="minor">
+              <a:schemeClr val="tx1"/>
+            </a:fontRef>
+          </p:style>
+        </p:cxnSp>
+        <p:sp>
+          <p:nvSpPr>
+            <p:cNvPr id="48" name="TextBox 47">
+              <a:extLst>
+                <a:ext uri="{FF2B5EF4-FFF2-40B4-BE49-F238E27FC236}">
+                  <a16:creationId xmlns:a16="http://schemas.microsoft.com/office/drawing/2014/main" id="{E9924238-FFAC-509B-B14C-EAD6FE4ADE18}"/>
+                </a:ext>
+              </a:extLst>
+            </p:cNvPr>
+            <p:cNvSpPr txBox="1"/>
+            <p:nvPr/>
+          </p:nvSpPr>
+          <p:spPr>
+            <a:xfrm>
+              <a:off x="8747747" y="3073115"/>
+              <a:ext cx="294963" cy="369332"/>
+            </a:xfrm>
+            <a:prstGeom prst="rect">
+              <a:avLst/>
+            </a:prstGeom>
+            <a:noFill/>
+          </p:spPr>
+          <p:txBody>
+            <a:bodyPr wrap="square" rtlCol="0">
+              <a:spAutoFit/>
+            </a:bodyPr>
+            <a:lstStyle/>
+            <a:p>
+              <a:r>
+                <a:rPr lang="en-CN" dirty="0"/>
+                <a:t>1</a:t>
+              </a:r>
+            </a:p>
+          </p:txBody>
+        </p:sp>
+        <p:sp>
+          <p:nvSpPr>
+            <p:cNvPr id="49" name="TextBox 48">
+              <a:extLst>
+                <a:ext uri="{FF2B5EF4-FFF2-40B4-BE49-F238E27FC236}">
+                  <a16:creationId xmlns:a16="http://schemas.microsoft.com/office/drawing/2014/main" id="{3E2C7E1A-D039-F6D3-BE46-9C23A693C144}"/>
+                </a:ext>
+              </a:extLst>
+            </p:cNvPr>
+            <p:cNvSpPr txBox="1"/>
+            <p:nvPr/>
+          </p:nvSpPr>
+          <p:spPr>
+            <a:xfrm>
+              <a:off x="8926794" y="4203557"/>
+              <a:ext cx="301686" cy="369332"/>
+            </a:xfrm>
+            <a:prstGeom prst="rect">
+              <a:avLst/>
+            </a:prstGeom>
+            <a:noFill/>
+          </p:spPr>
+          <p:txBody>
+            <a:bodyPr wrap="none" rtlCol="0">
+              <a:spAutoFit/>
+            </a:bodyPr>
+            <a:lstStyle/>
+            <a:p>
+              <a:r>
+                <a:rPr lang="en-CN" dirty="0"/>
+                <a:t>2</a:t>
+              </a:r>
+            </a:p>
+          </p:txBody>
+        </p:sp>
+        <p:sp>
+          <p:nvSpPr>
+            <p:cNvPr id="50" name="TextBox 49">
+              <a:extLst>
+                <a:ext uri="{FF2B5EF4-FFF2-40B4-BE49-F238E27FC236}">
+                  <a16:creationId xmlns:a16="http://schemas.microsoft.com/office/drawing/2014/main" id="{D7A1F57F-0FFD-0C03-EF7F-00A7E10B02E8}"/>
+                </a:ext>
+              </a:extLst>
+            </p:cNvPr>
+            <p:cNvSpPr txBox="1"/>
+            <p:nvPr/>
+          </p:nvSpPr>
+          <p:spPr>
+            <a:xfrm flipH="1">
+              <a:off x="9717552" y="3281083"/>
+              <a:ext cx="436532" cy="369332"/>
+            </a:xfrm>
+            <a:prstGeom prst="rect">
+              <a:avLst/>
+            </a:prstGeom>
+            <a:noFill/>
+          </p:spPr>
+          <p:txBody>
+            <a:bodyPr wrap="square" rtlCol="0">
+              <a:spAutoFit/>
+            </a:bodyPr>
+            <a:lstStyle/>
+            <a:p>
+              <a:r>
+                <a:rPr lang="en-CN" dirty="0"/>
+                <a:t>3</a:t>
+              </a:r>
+            </a:p>
+          </p:txBody>
+        </p:sp>
+        <p:sp>
+          <p:nvSpPr>
+            <p:cNvPr id="51" name="TextBox 50">
+              <a:extLst>
+                <a:ext uri="{FF2B5EF4-FFF2-40B4-BE49-F238E27FC236}">
+                  <a16:creationId xmlns:a16="http://schemas.microsoft.com/office/drawing/2014/main" id="{CBB49ACD-A5D0-40FD-2244-B9FEF742B2EB}"/>
+                </a:ext>
+              </a:extLst>
+            </p:cNvPr>
+            <p:cNvSpPr txBox="1"/>
+            <p:nvPr/>
+          </p:nvSpPr>
+          <p:spPr>
+            <a:xfrm>
+              <a:off x="6518737" y="5301424"/>
+              <a:ext cx="3270561" cy="646331"/>
+            </a:xfrm>
+            <a:prstGeom prst="rect">
+              <a:avLst/>
+            </a:prstGeom>
+            <a:noFill/>
+          </p:spPr>
+          <p:txBody>
+            <a:bodyPr wrap="square" rtlCol="0">
+              <a:spAutoFit/>
+            </a:bodyPr>
+            <a:lstStyle/>
+            <a:p>
+              <a:r>
+                <a:rPr lang="zh-CN" altLang="en-US" dirty="0"/>
+                <a:t>变体：实际开发中使用，</a:t>
+              </a:r>
+              <a:r>
+                <a:rPr lang="en-US" altLang="zh-CN" dirty="0"/>
+                <a:t>Controller</a:t>
+              </a:r>
+              <a:r>
+                <a:rPr lang="zh-CN" altLang="en-US" dirty="0"/>
+                <a:t> 也可以更新</a:t>
+              </a:r>
+              <a:r>
+                <a:rPr lang="en-US" altLang="zh-CN" dirty="0"/>
+                <a:t>View</a:t>
+              </a:r>
+              <a:endParaRPr lang="en-CN" dirty="0"/>
+            </a:p>
+          </p:txBody>
+        </p:sp>
+        <p:cxnSp>
+          <p:nvCxnSpPr>
+            <p:cNvPr id="72" name="Straight Arrow Connector 71">
+              <a:extLst>
+                <a:ext uri="{FF2B5EF4-FFF2-40B4-BE49-F238E27FC236}">
+                  <a16:creationId xmlns:a16="http://schemas.microsoft.com/office/drawing/2014/main" id="{707FA077-4C6D-E856-58DD-F4295E1B8EE5}"/>
+                </a:ext>
+              </a:extLst>
+            </p:cNvPr>
+            <p:cNvCxnSpPr/>
+            <p:nvPr/>
+          </p:nvCxnSpPr>
+          <p:spPr>
+            <a:xfrm flipV="1">
+              <a:off x="7167282" y="3039455"/>
+              <a:ext cx="1141850" cy="770546"/>
+            </a:xfrm>
+            <a:prstGeom prst="straightConnector1">
+              <a:avLst/>
+            </a:prstGeom>
+            <a:ln>
+              <a:tailEnd type="triangle"/>
+            </a:ln>
+          </p:spPr>
+          <p:style>
+            <a:lnRef idx="1">
+              <a:schemeClr val="accent1"/>
+            </a:lnRef>
+            <a:fillRef idx="0">
+              <a:schemeClr val="accent1"/>
+            </a:fillRef>
+            <a:effectRef idx="0">
+              <a:schemeClr val="accent1"/>
+            </a:effectRef>
+            <a:fontRef idx="minor">
+              <a:schemeClr val="tx1"/>
+            </a:fontRef>
+          </p:style>
+        </p:cxnSp>
+        <p:sp>
+          <p:nvSpPr>
+            <p:cNvPr id="7" name="TextBox 6">
+              <a:extLst>
+                <a:ext uri="{FF2B5EF4-FFF2-40B4-BE49-F238E27FC236}">
+                  <a16:creationId xmlns:a16="http://schemas.microsoft.com/office/drawing/2014/main" id="{D795C391-180A-CF29-A330-ABDCDF98CBB7}"/>
+                </a:ext>
+              </a:extLst>
+            </p:cNvPr>
+            <p:cNvSpPr txBox="1"/>
+            <p:nvPr/>
+          </p:nvSpPr>
+          <p:spPr>
+            <a:xfrm>
+              <a:off x="9468783" y="5199546"/>
+              <a:ext cx="1119217" cy="646331"/>
+            </a:xfrm>
+            <a:prstGeom prst="rect">
+              <a:avLst/>
+            </a:prstGeom>
+            <a:noFill/>
+          </p:spPr>
+          <p:txBody>
+            <a:bodyPr wrap="none" rtlCol="0">
+              <a:spAutoFit/>
+            </a:bodyPr>
+            <a:lstStyle/>
+            <a:p>
+              <a:r>
+                <a:rPr lang="en-CN" dirty="0"/>
+                <a:t>1 -&gt; 2 -&gt; 3</a:t>
+              </a:r>
+            </a:p>
+            <a:p>
+              <a:r>
+                <a:rPr lang="en-CN" dirty="0"/>
+                <a:t>1 -&gt; 4</a:t>
+              </a:r>
+            </a:p>
+          </p:txBody>
+        </p:sp>
+        <p:sp>
+          <p:nvSpPr>
+            <p:cNvPr id="8" name="TextBox 7">
+              <a:extLst>
+                <a:ext uri="{FF2B5EF4-FFF2-40B4-BE49-F238E27FC236}">
+                  <a16:creationId xmlns:a16="http://schemas.microsoft.com/office/drawing/2014/main" id="{360445C7-B6ED-9913-74C2-84B2C8E0CAD4}"/>
+                </a:ext>
+              </a:extLst>
+            </p:cNvPr>
+            <p:cNvSpPr txBox="1"/>
+            <p:nvPr/>
+          </p:nvSpPr>
+          <p:spPr>
+            <a:xfrm>
+              <a:off x="7612380" y="3337560"/>
+              <a:ext cx="301686" cy="369332"/>
+            </a:xfrm>
+            <a:prstGeom prst="rect">
+              <a:avLst/>
+            </a:prstGeom>
+            <a:noFill/>
+          </p:spPr>
+          <p:txBody>
+            <a:bodyPr wrap="none" rtlCol="0">
+              <a:spAutoFit/>
+            </a:bodyPr>
+            <a:lstStyle/>
+            <a:p>
+              <a:r>
+                <a:rPr lang="en-CN" dirty="0"/>
+                <a:t>4</a:t>
+              </a:r>
+            </a:p>
+          </p:txBody>
+        </p:sp>
+      </p:grpSp>
     </p:spTree>
     <p:extLst>
       <p:ext uri="{BB962C8B-B14F-4D97-AF65-F5344CB8AC3E}">
@@ -4297,246 +4497,522 @@
           </a:p>
         </p:txBody>
       </p:sp>
-      <p:sp>
-        <p:nvSpPr>
-          <p:cNvPr id="3" name="Rectangle 2">
-            <a:extLst>
-              <a:ext uri="{FF2B5EF4-FFF2-40B4-BE49-F238E27FC236}">
-                <a16:creationId xmlns:a16="http://schemas.microsoft.com/office/drawing/2014/main" id="{DA3B9DAA-21C3-3AA7-77DF-5166E48E75FB}"/>
-              </a:ext>
-            </a:extLst>
-          </p:cNvPr>
-          <p:cNvSpPr/>
+      <p:grpSp>
+        <p:nvGrpSpPr>
+          <p:cNvPr id="13" name="Group 12">
+            <a:extLst>
+              <a:ext uri="{FF2B5EF4-FFF2-40B4-BE49-F238E27FC236}">
+                <a16:creationId xmlns:a16="http://schemas.microsoft.com/office/drawing/2014/main" id="{B59AB2A8-D4F9-7292-C137-7DA89AD79AF3}"/>
+              </a:ext>
+            </a:extLst>
+          </p:cNvPr>
+          <p:cNvGrpSpPr/>
+          <p:nvPr/>
+        </p:nvGrpSpPr>
+        <p:grpSpPr>
+          <a:xfrm>
+            <a:off x="952160" y="2513648"/>
+            <a:ext cx="4984683" cy="3591253"/>
+            <a:chOff x="3503336" y="1690688"/>
+            <a:chExt cx="4984683" cy="3591253"/>
+          </a:xfrm>
+        </p:grpSpPr>
+        <p:sp>
+          <p:nvSpPr>
+            <p:cNvPr id="3" name="Rectangle 2">
+              <a:extLst>
+                <a:ext uri="{FF2B5EF4-FFF2-40B4-BE49-F238E27FC236}">
+                  <a16:creationId xmlns:a16="http://schemas.microsoft.com/office/drawing/2014/main" id="{DA3B9DAA-21C3-3AA7-77DF-5166E48E75FB}"/>
+                </a:ext>
+              </a:extLst>
+            </p:cNvPr>
+            <p:cNvSpPr/>
+            <p:nvPr/>
+          </p:nvSpPr>
+          <p:spPr>
+            <a:xfrm>
+              <a:off x="5195047" y="1690688"/>
+              <a:ext cx="1801906" cy="941294"/>
+            </a:xfrm>
+            <a:prstGeom prst="rect">
+              <a:avLst/>
+            </a:prstGeom>
+          </p:spPr>
+          <p:style>
+            <a:lnRef idx="1">
+              <a:schemeClr val="accent6"/>
+            </a:lnRef>
+            <a:fillRef idx="2">
+              <a:schemeClr val="accent6"/>
+            </a:fillRef>
+            <a:effectRef idx="1">
+              <a:schemeClr val="accent6"/>
+            </a:effectRef>
+            <a:fontRef idx="minor">
+              <a:schemeClr val="dk1"/>
+            </a:fontRef>
+          </p:style>
+          <p:txBody>
+            <a:bodyPr rtlCol="0" anchor="ctr"/>
+            <a:lstStyle/>
+            <a:p>
+              <a:pPr algn="ctr"/>
+              <a:r>
+                <a:rPr lang="en-CN" dirty="0"/>
+                <a:t>View</a:t>
+              </a:r>
+            </a:p>
+          </p:txBody>
+        </p:sp>
+        <p:sp>
+          <p:nvSpPr>
+            <p:cNvPr id="4" name="Rectangle 3">
+              <a:extLst>
+                <a:ext uri="{FF2B5EF4-FFF2-40B4-BE49-F238E27FC236}">
+                  <a16:creationId xmlns:a16="http://schemas.microsoft.com/office/drawing/2014/main" id="{8DE7B41B-91B9-117D-FA7F-A699FF63B82A}"/>
+                </a:ext>
+              </a:extLst>
+            </p:cNvPr>
+            <p:cNvSpPr/>
+            <p:nvPr/>
+          </p:nvSpPr>
+          <p:spPr>
+            <a:xfrm>
+              <a:off x="3503336" y="3631546"/>
+              <a:ext cx="1801906" cy="941294"/>
+            </a:xfrm>
+            <a:prstGeom prst="rect">
+              <a:avLst/>
+            </a:prstGeom>
+          </p:spPr>
+          <p:style>
+            <a:lnRef idx="1">
+              <a:schemeClr val="accent6"/>
+            </a:lnRef>
+            <a:fillRef idx="2">
+              <a:schemeClr val="accent6"/>
+            </a:fillRef>
+            <a:effectRef idx="1">
+              <a:schemeClr val="accent6"/>
+            </a:effectRef>
+            <a:fontRef idx="minor">
+              <a:schemeClr val="dk1"/>
+            </a:fontRef>
+          </p:style>
+          <p:txBody>
+            <a:bodyPr rtlCol="0" anchor="ctr"/>
+            <a:lstStyle/>
+            <a:p>
+              <a:pPr algn="ctr"/>
+              <a:r>
+                <a:rPr lang="en-CN" dirty="0"/>
+                <a:t>Presenter</a:t>
+              </a:r>
+            </a:p>
+          </p:txBody>
+        </p:sp>
+        <p:sp>
+          <p:nvSpPr>
+            <p:cNvPr id="5" name="Rectangle 4">
+              <a:extLst>
+                <a:ext uri="{FF2B5EF4-FFF2-40B4-BE49-F238E27FC236}">
+                  <a16:creationId xmlns:a16="http://schemas.microsoft.com/office/drawing/2014/main" id="{94963111-CD96-7E30-2F14-612A4573F694}"/>
+                </a:ext>
+              </a:extLst>
+            </p:cNvPr>
+            <p:cNvSpPr/>
+            <p:nvPr/>
+          </p:nvSpPr>
+          <p:spPr>
+            <a:xfrm>
+              <a:off x="6686113" y="3631546"/>
+              <a:ext cx="1801906" cy="941294"/>
+            </a:xfrm>
+            <a:prstGeom prst="rect">
+              <a:avLst/>
+            </a:prstGeom>
+          </p:spPr>
+          <p:style>
+            <a:lnRef idx="1">
+              <a:schemeClr val="accent6"/>
+            </a:lnRef>
+            <a:fillRef idx="2">
+              <a:schemeClr val="accent6"/>
+            </a:fillRef>
+            <a:effectRef idx="1">
+              <a:schemeClr val="accent6"/>
+            </a:effectRef>
+            <a:fontRef idx="minor">
+              <a:schemeClr val="dk1"/>
+            </a:fontRef>
+          </p:style>
+          <p:txBody>
+            <a:bodyPr rtlCol="0" anchor="ctr"/>
+            <a:lstStyle/>
+            <a:p>
+              <a:pPr algn="ctr"/>
+              <a:r>
+                <a:rPr lang="en-CN" dirty="0"/>
+                <a:t>Model</a:t>
+              </a:r>
+            </a:p>
+          </p:txBody>
+        </p:sp>
+        <p:cxnSp>
+          <p:nvCxnSpPr>
+            <p:cNvPr id="6" name="Straight Arrow Connector 5">
+              <a:extLst>
+                <a:ext uri="{FF2B5EF4-FFF2-40B4-BE49-F238E27FC236}">
+                  <a16:creationId xmlns:a16="http://schemas.microsoft.com/office/drawing/2014/main" id="{B7B50397-0230-BBA7-BAF6-C33685CB82C3}"/>
+                </a:ext>
+              </a:extLst>
+            </p:cNvPr>
+            <p:cNvCxnSpPr>
+              <a:cxnSpLocks/>
+              <a:stCxn id="9" idx="0"/>
+            </p:cNvCxnSpPr>
+            <p:nvPr/>
+          </p:nvCxnSpPr>
+          <p:spPr>
+            <a:xfrm flipH="1">
+              <a:off x="4691597" y="2787085"/>
+              <a:ext cx="1172193" cy="790673"/>
+            </a:xfrm>
+            <a:prstGeom prst="straightConnector1">
+              <a:avLst/>
+            </a:prstGeom>
+            <a:ln>
+              <a:tailEnd type="triangle"/>
+            </a:ln>
+          </p:spPr>
+          <p:style>
+            <a:lnRef idx="1">
+              <a:schemeClr val="accent1"/>
+            </a:lnRef>
+            <a:fillRef idx="0">
+              <a:schemeClr val="accent1"/>
+            </a:fillRef>
+            <a:effectRef idx="0">
+              <a:schemeClr val="accent1"/>
+            </a:effectRef>
+            <a:fontRef idx="minor">
+              <a:schemeClr val="tx1"/>
+            </a:fontRef>
+          </p:style>
+        </p:cxnSp>
+        <p:cxnSp>
+          <p:nvCxnSpPr>
+            <p:cNvPr id="7" name="Straight Arrow Connector 6">
+              <a:extLst>
+                <a:ext uri="{FF2B5EF4-FFF2-40B4-BE49-F238E27FC236}">
+                  <a16:creationId xmlns:a16="http://schemas.microsoft.com/office/drawing/2014/main" id="{6D3A34ED-0327-3C36-867C-149B3EF6C36F}"/>
+                </a:ext>
+              </a:extLst>
+            </p:cNvPr>
+            <p:cNvCxnSpPr>
+              <a:cxnSpLocks/>
+            </p:cNvCxnSpPr>
+            <p:nvPr/>
+          </p:nvCxnSpPr>
+          <p:spPr>
+            <a:xfrm>
+              <a:off x="5520890" y="4143424"/>
+              <a:ext cx="995083" cy="0"/>
+            </a:xfrm>
+            <a:prstGeom prst="straightConnector1">
+              <a:avLst/>
+            </a:prstGeom>
+            <a:ln>
+              <a:tailEnd type="triangle"/>
+            </a:ln>
+          </p:spPr>
+          <p:style>
+            <a:lnRef idx="1">
+              <a:schemeClr val="accent1"/>
+            </a:lnRef>
+            <a:fillRef idx="0">
+              <a:schemeClr val="accent1"/>
+            </a:fillRef>
+            <a:effectRef idx="0">
+              <a:schemeClr val="accent1"/>
+            </a:effectRef>
+            <a:fontRef idx="minor">
+              <a:schemeClr val="tx1"/>
+            </a:fontRef>
+          </p:style>
+        </p:cxnSp>
+        <p:sp>
+          <p:nvSpPr>
+            <p:cNvPr id="9" name="TextBox 8">
+              <a:extLst>
+                <a:ext uri="{FF2B5EF4-FFF2-40B4-BE49-F238E27FC236}">
+                  <a16:creationId xmlns:a16="http://schemas.microsoft.com/office/drawing/2014/main" id="{305B5B5B-CC91-447F-5DBE-92EDDBBC9F09}"/>
+                </a:ext>
+              </a:extLst>
+            </p:cNvPr>
+            <p:cNvSpPr txBox="1"/>
+            <p:nvPr/>
+          </p:nvSpPr>
+          <p:spPr>
+            <a:xfrm>
+              <a:off x="5716308" y="2787085"/>
+              <a:ext cx="294963" cy="369332"/>
+            </a:xfrm>
+            <a:prstGeom prst="rect">
+              <a:avLst/>
+            </a:prstGeom>
+            <a:noFill/>
+          </p:spPr>
+          <p:txBody>
+            <a:bodyPr wrap="square" rtlCol="0">
+              <a:spAutoFit/>
+            </a:bodyPr>
+            <a:lstStyle/>
+            <a:p>
+              <a:r>
+                <a:rPr lang="en-CN" dirty="0"/>
+                <a:t>1</a:t>
+              </a:r>
+            </a:p>
+          </p:txBody>
+        </p:sp>
+        <p:sp>
+          <p:nvSpPr>
+            <p:cNvPr id="10" name="TextBox 9">
+              <a:extLst>
+                <a:ext uri="{FF2B5EF4-FFF2-40B4-BE49-F238E27FC236}">
+                  <a16:creationId xmlns:a16="http://schemas.microsoft.com/office/drawing/2014/main" id="{AE11CD06-63C5-D19A-3C40-AC843154267A}"/>
+                </a:ext>
+              </a:extLst>
+            </p:cNvPr>
+            <p:cNvSpPr txBox="1"/>
+            <p:nvPr/>
+          </p:nvSpPr>
+          <p:spPr>
+            <a:xfrm>
+              <a:off x="5895355" y="3917527"/>
+              <a:ext cx="301686" cy="369332"/>
+            </a:xfrm>
+            <a:prstGeom prst="rect">
+              <a:avLst/>
+            </a:prstGeom>
+            <a:noFill/>
+          </p:spPr>
+          <p:txBody>
+            <a:bodyPr wrap="none" rtlCol="0">
+              <a:spAutoFit/>
+            </a:bodyPr>
+            <a:lstStyle/>
+            <a:p>
+              <a:r>
+                <a:rPr lang="en-CN" dirty="0"/>
+                <a:t>2</a:t>
+              </a:r>
+            </a:p>
+          </p:txBody>
+        </p:sp>
+        <p:cxnSp>
+          <p:nvCxnSpPr>
+            <p:cNvPr id="12" name="Straight Arrow Connector 11">
+              <a:extLst>
+                <a:ext uri="{FF2B5EF4-FFF2-40B4-BE49-F238E27FC236}">
+                  <a16:creationId xmlns:a16="http://schemas.microsoft.com/office/drawing/2014/main" id="{59412199-5743-0664-37A2-173E4B0FB591}"/>
+                </a:ext>
+              </a:extLst>
+            </p:cNvPr>
+            <p:cNvCxnSpPr/>
+            <p:nvPr/>
+          </p:nvCxnSpPr>
+          <p:spPr>
+            <a:xfrm flipV="1">
+              <a:off x="4135843" y="2753425"/>
+              <a:ext cx="1141850" cy="770546"/>
+            </a:xfrm>
+            <a:prstGeom prst="straightConnector1">
+              <a:avLst/>
+            </a:prstGeom>
+            <a:ln>
+              <a:tailEnd type="triangle"/>
+            </a:ln>
+          </p:spPr>
+          <p:style>
+            <a:lnRef idx="1">
+              <a:schemeClr val="accent1"/>
+            </a:lnRef>
+            <a:fillRef idx="0">
+              <a:schemeClr val="accent1"/>
+            </a:fillRef>
+            <a:effectRef idx="0">
+              <a:schemeClr val="accent1"/>
+            </a:effectRef>
+            <a:fontRef idx="minor">
+              <a:schemeClr val="tx1"/>
+            </a:fontRef>
+          </p:style>
+        </p:cxnSp>
+        <p:cxnSp>
+          <p:nvCxnSpPr>
+            <p:cNvPr id="14" name="Straight Arrow Connector 13">
+              <a:extLst>
+                <a:ext uri="{FF2B5EF4-FFF2-40B4-BE49-F238E27FC236}">
+                  <a16:creationId xmlns:a16="http://schemas.microsoft.com/office/drawing/2014/main" id="{0FCA3043-65E7-605C-4A18-21B0520B7224}"/>
+                </a:ext>
+              </a:extLst>
+            </p:cNvPr>
+            <p:cNvCxnSpPr/>
+            <p:nvPr/>
+          </p:nvCxnSpPr>
+          <p:spPr>
+            <a:xfrm flipH="1">
+              <a:off x="5520890" y="4464424"/>
+              <a:ext cx="995083" cy="0"/>
+            </a:xfrm>
+            <a:prstGeom prst="straightConnector1">
+              <a:avLst/>
+            </a:prstGeom>
+            <a:ln>
+              <a:tailEnd type="triangle"/>
+            </a:ln>
+          </p:spPr>
+          <p:style>
+            <a:lnRef idx="1">
+              <a:schemeClr val="accent1"/>
+            </a:lnRef>
+            <a:fillRef idx="0">
+              <a:schemeClr val="accent1"/>
+            </a:fillRef>
+            <a:effectRef idx="0">
+              <a:schemeClr val="accent1"/>
+            </a:effectRef>
+            <a:fontRef idx="minor">
+              <a:schemeClr val="tx1"/>
+            </a:fontRef>
+          </p:style>
+        </p:cxnSp>
+        <p:sp>
+          <p:nvSpPr>
+            <p:cNvPr id="15" name="TextBox 14">
+              <a:extLst>
+                <a:ext uri="{FF2B5EF4-FFF2-40B4-BE49-F238E27FC236}">
+                  <a16:creationId xmlns:a16="http://schemas.microsoft.com/office/drawing/2014/main" id="{0AB47524-72BD-21A9-8CA1-EC967559DDF2}"/>
+                </a:ext>
+              </a:extLst>
+            </p:cNvPr>
+            <p:cNvSpPr txBox="1"/>
+            <p:nvPr/>
+          </p:nvSpPr>
+          <p:spPr>
+            <a:xfrm>
+              <a:off x="5909238" y="4257296"/>
+              <a:ext cx="301686" cy="369332"/>
+            </a:xfrm>
+            <a:prstGeom prst="rect">
+              <a:avLst/>
+            </a:prstGeom>
+            <a:noFill/>
+          </p:spPr>
+          <p:txBody>
+            <a:bodyPr wrap="none" rtlCol="0">
+              <a:spAutoFit/>
+            </a:bodyPr>
+            <a:lstStyle/>
+            <a:p>
+              <a:r>
+                <a:rPr lang="en-US" altLang="zh-CN" dirty="0"/>
+                <a:t>3</a:t>
+              </a:r>
+              <a:endParaRPr lang="en-CN" dirty="0"/>
+            </a:p>
+          </p:txBody>
+        </p:sp>
+        <p:sp>
+          <p:nvSpPr>
+            <p:cNvPr id="16" name="TextBox 15">
+              <a:extLst>
+                <a:ext uri="{FF2B5EF4-FFF2-40B4-BE49-F238E27FC236}">
+                  <a16:creationId xmlns:a16="http://schemas.microsoft.com/office/drawing/2014/main" id="{6E4879B3-3ABC-77BC-C6FA-527AED2E547B}"/>
+                </a:ext>
+              </a:extLst>
+            </p:cNvPr>
+            <p:cNvSpPr txBox="1"/>
+            <p:nvPr/>
+          </p:nvSpPr>
+          <p:spPr>
+            <a:xfrm>
+              <a:off x="4544116" y="2971751"/>
+              <a:ext cx="301686" cy="369332"/>
+            </a:xfrm>
+            <a:prstGeom prst="rect">
+              <a:avLst/>
+            </a:prstGeom>
+            <a:noFill/>
+          </p:spPr>
+          <p:txBody>
+            <a:bodyPr wrap="none" rtlCol="0">
+              <a:spAutoFit/>
+            </a:bodyPr>
+            <a:lstStyle/>
+            <a:p>
+              <a:r>
+                <a:rPr lang="en-US" altLang="zh-CN" dirty="0"/>
+                <a:t>4</a:t>
+              </a:r>
+              <a:endParaRPr lang="en-CN" dirty="0"/>
+            </a:p>
+          </p:txBody>
+        </p:sp>
+        <p:sp>
+          <p:nvSpPr>
+            <p:cNvPr id="8" name="TextBox 7">
+              <a:extLst>
+                <a:ext uri="{FF2B5EF4-FFF2-40B4-BE49-F238E27FC236}">
+                  <a16:creationId xmlns:a16="http://schemas.microsoft.com/office/drawing/2014/main" id="{B7617DB3-365B-1404-DD60-EF9BE1AB0650}"/>
+                </a:ext>
+              </a:extLst>
+            </p:cNvPr>
+            <p:cNvSpPr txBox="1"/>
+            <p:nvPr/>
+          </p:nvSpPr>
+          <p:spPr>
+            <a:xfrm>
+              <a:off x="3503336" y="4912609"/>
+              <a:ext cx="1527982" cy="369332"/>
+            </a:xfrm>
+            <a:prstGeom prst="rect">
+              <a:avLst/>
+            </a:prstGeom>
+            <a:noFill/>
+          </p:spPr>
+          <p:txBody>
+            <a:bodyPr wrap="none" rtlCol="0">
+              <a:spAutoFit/>
+            </a:bodyPr>
+            <a:lstStyle/>
+            <a:p>
+              <a:r>
+                <a:rPr lang="en-CN" dirty="0"/>
+                <a:t>1 -&gt; 2 -&gt; 3 -&gt; 4</a:t>
+              </a:r>
+            </a:p>
+          </p:txBody>
+        </p:sp>
+      </p:grpSp>
+      <p:sp>
+        <p:nvSpPr>
+          <p:cNvPr id="11" name="TextBox 10">
+            <a:extLst>
+              <a:ext uri="{FF2B5EF4-FFF2-40B4-BE49-F238E27FC236}">
+                <a16:creationId xmlns:a16="http://schemas.microsoft.com/office/drawing/2014/main" id="{F8EDBA0F-A6FD-9FD9-82A2-937696C11305}"/>
+              </a:ext>
+            </a:extLst>
+          </p:cNvPr>
+          <p:cNvSpPr txBox="1"/>
           <p:nvPr/>
         </p:nvSpPr>
         <p:spPr>
           <a:xfrm>
-            <a:off x="5195047" y="1690688"/>
-            <a:ext cx="1801906" cy="941294"/>
-          </a:xfrm>
-          <a:prstGeom prst="rect">
-            <a:avLst/>
-          </a:prstGeom>
-        </p:spPr>
-        <p:style>
-          <a:lnRef idx="1">
-            <a:schemeClr val="accent6"/>
-          </a:lnRef>
-          <a:fillRef idx="2">
-            <a:schemeClr val="accent6"/>
-          </a:fillRef>
-          <a:effectRef idx="1">
-            <a:schemeClr val="accent6"/>
-          </a:effectRef>
-          <a:fontRef idx="minor">
-            <a:schemeClr val="dk1"/>
-          </a:fontRef>
-        </p:style>
-        <p:txBody>
-          <a:bodyPr rtlCol="0" anchor="ctr"/>
-          <a:lstStyle/>
-          <a:p>
-            <a:pPr algn="ctr"/>
-            <a:r>
-              <a:rPr lang="en-CN" dirty="0"/>
-              <a:t>View</a:t>
-            </a:r>
-          </a:p>
-        </p:txBody>
-      </p:sp>
-      <p:sp>
-        <p:nvSpPr>
-          <p:cNvPr id="4" name="Rectangle 3">
-            <a:extLst>
-              <a:ext uri="{FF2B5EF4-FFF2-40B4-BE49-F238E27FC236}">
-                <a16:creationId xmlns:a16="http://schemas.microsoft.com/office/drawing/2014/main" id="{8DE7B41B-91B9-117D-FA7F-A699FF63B82A}"/>
-              </a:ext>
-            </a:extLst>
-          </p:cNvPr>
-          <p:cNvSpPr/>
-          <p:nvPr/>
-        </p:nvSpPr>
-        <p:spPr>
-          <a:xfrm>
-            <a:off x="3503336" y="3631546"/>
-            <a:ext cx="1801906" cy="941294"/>
-          </a:xfrm>
-          <a:prstGeom prst="rect">
-            <a:avLst/>
-          </a:prstGeom>
-        </p:spPr>
-        <p:style>
-          <a:lnRef idx="1">
-            <a:schemeClr val="accent6"/>
-          </a:lnRef>
-          <a:fillRef idx="2">
-            <a:schemeClr val="accent6"/>
-          </a:fillRef>
-          <a:effectRef idx="1">
-            <a:schemeClr val="accent6"/>
-          </a:effectRef>
-          <a:fontRef idx="minor">
-            <a:schemeClr val="dk1"/>
-          </a:fontRef>
-        </p:style>
-        <p:txBody>
-          <a:bodyPr rtlCol="0" anchor="ctr"/>
-          <a:lstStyle/>
-          <a:p>
-            <a:pPr algn="ctr"/>
-            <a:r>
-              <a:rPr lang="en-CN" dirty="0"/>
-              <a:t>Presenter</a:t>
-            </a:r>
-          </a:p>
-        </p:txBody>
-      </p:sp>
-      <p:sp>
-        <p:nvSpPr>
-          <p:cNvPr id="5" name="Rectangle 4">
-            <a:extLst>
-              <a:ext uri="{FF2B5EF4-FFF2-40B4-BE49-F238E27FC236}">
-                <a16:creationId xmlns:a16="http://schemas.microsoft.com/office/drawing/2014/main" id="{94963111-CD96-7E30-2F14-612A4573F694}"/>
-              </a:ext>
-            </a:extLst>
-          </p:cNvPr>
-          <p:cNvSpPr/>
-          <p:nvPr/>
-        </p:nvSpPr>
-        <p:spPr>
-          <a:xfrm>
-            <a:off x="6686113" y="3631546"/>
-            <a:ext cx="1801906" cy="941294"/>
-          </a:xfrm>
-          <a:prstGeom prst="rect">
-            <a:avLst/>
-          </a:prstGeom>
-        </p:spPr>
-        <p:style>
-          <a:lnRef idx="1">
-            <a:schemeClr val="accent6"/>
-          </a:lnRef>
-          <a:fillRef idx="2">
-            <a:schemeClr val="accent6"/>
-          </a:fillRef>
-          <a:effectRef idx="1">
-            <a:schemeClr val="accent6"/>
-          </a:effectRef>
-          <a:fontRef idx="minor">
-            <a:schemeClr val="dk1"/>
-          </a:fontRef>
-        </p:style>
-        <p:txBody>
-          <a:bodyPr rtlCol="0" anchor="ctr"/>
-          <a:lstStyle/>
-          <a:p>
-            <a:pPr algn="ctr"/>
-            <a:r>
-              <a:rPr lang="en-CN" dirty="0"/>
-              <a:t>Model</a:t>
-            </a:r>
-          </a:p>
-        </p:txBody>
-      </p:sp>
-      <p:cxnSp>
-        <p:nvCxnSpPr>
-          <p:cNvPr id="6" name="Straight Arrow Connector 5">
-            <a:extLst>
-              <a:ext uri="{FF2B5EF4-FFF2-40B4-BE49-F238E27FC236}">
-                <a16:creationId xmlns:a16="http://schemas.microsoft.com/office/drawing/2014/main" id="{B7B50397-0230-BBA7-BAF6-C33685CB82C3}"/>
-              </a:ext>
-            </a:extLst>
-          </p:cNvPr>
-          <p:cNvCxnSpPr>
-            <a:cxnSpLocks/>
-            <a:stCxn id="9" idx="0"/>
-          </p:cNvCxnSpPr>
-          <p:nvPr/>
-        </p:nvCxnSpPr>
-        <p:spPr>
-          <a:xfrm flipH="1">
-            <a:off x="4691597" y="2787085"/>
-            <a:ext cx="1172193" cy="790673"/>
-          </a:xfrm>
-          <a:prstGeom prst="straightConnector1">
-            <a:avLst/>
-          </a:prstGeom>
-          <a:ln>
-            <a:tailEnd type="triangle"/>
-          </a:ln>
-        </p:spPr>
-        <p:style>
-          <a:lnRef idx="1">
-            <a:schemeClr val="accent1"/>
-          </a:lnRef>
-          <a:fillRef idx="0">
-            <a:schemeClr val="accent1"/>
-          </a:fillRef>
-          <a:effectRef idx="0">
-            <a:schemeClr val="accent1"/>
-          </a:effectRef>
-          <a:fontRef idx="minor">
-            <a:schemeClr val="tx1"/>
-          </a:fontRef>
-        </p:style>
-      </p:cxnSp>
-      <p:cxnSp>
-        <p:nvCxnSpPr>
-          <p:cNvPr id="7" name="Straight Arrow Connector 6">
-            <a:extLst>
-              <a:ext uri="{FF2B5EF4-FFF2-40B4-BE49-F238E27FC236}">
-                <a16:creationId xmlns:a16="http://schemas.microsoft.com/office/drawing/2014/main" id="{6D3A34ED-0327-3C36-867C-149B3EF6C36F}"/>
-              </a:ext>
-            </a:extLst>
-          </p:cNvPr>
-          <p:cNvCxnSpPr>
-            <a:cxnSpLocks/>
-          </p:cNvCxnSpPr>
-          <p:nvPr/>
-        </p:nvCxnSpPr>
-        <p:spPr>
-          <a:xfrm>
-            <a:off x="5520890" y="4143424"/>
-            <a:ext cx="995083" cy="0"/>
-          </a:xfrm>
-          <a:prstGeom prst="straightConnector1">
-            <a:avLst/>
-          </a:prstGeom>
-          <a:ln>
-            <a:tailEnd type="triangle"/>
-          </a:ln>
-        </p:spPr>
-        <p:style>
-          <a:lnRef idx="1">
-            <a:schemeClr val="accent1"/>
-          </a:lnRef>
-          <a:fillRef idx="0">
-            <a:schemeClr val="accent1"/>
-          </a:fillRef>
-          <a:effectRef idx="0">
-            <a:schemeClr val="accent1"/>
-          </a:effectRef>
-          <a:fontRef idx="minor">
-            <a:schemeClr val="tx1"/>
-          </a:fontRef>
-        </p:style>
-      </p:cxnSp>
-      <p:sp>
-        <p:nvSpPr>
-          <p:cNvPr id="9" name="TextBox 8">
-            <a:extLst>
-              <a:ext uri="{FF2B5EF4-FFF2-40B4-BE49-F238E27FC236}">
-                <a16:creationId xmlns:a16="http://schemas.microsoft.com/office/drawing/2014/main" id="{305B5B5B-CC91-447F-5DBE-92EDDBBC9F09}"/>
-              </a:ext>
-            </a:extLst>
-          </p:cNvPr>
-          <p:cNvSpPr txBox="1"/>
-          <p:nvPr/>
-        </p:nvSpPr>
-        <p:spPr>
-          <a:xfrm>
-            <a:off x="5716308" y="2787085"/>
-            <a:ext cx="294963" cy="369332"/>
+            <a:off x="10023521" y="0"/>
+            <a:ext cx="2168479" cy="923330"/>
           </a:xfrm>
           <a:prstGeom prst="rect">
             <a:avLst/>
@@ -4544,41 +5020,6 @@
           <a:noFill/>
         </p:spPr>
         <p:txBody>
-          <a:bodyPr wrap="square" rtlCol="0">
-            <a:spAutoFit/>
-          </a:bodyPr>
-          <a:lstStyle/>
-          <a:p>
-            <a:r>
-              <a:rPr lang="en-CN" dirty="0"/>
-              <a:t>1</a:t>
-            </a:r>
-          </a:p>
-        </p:txBody>
-      </p:sp>
-      <p:sp>
-        <p:nvSpPr>
-          <p:cNvPr id="10" name="TextBox 9">
-            <a:extLst>
-              <a:ext uri="{FF2B5EF4-FFF2-40B4-BE49-F238E27FC236}">
-                <a16:creationId xmlns:a16="http://schemas.microsoft.com/office/drawing/2014/main" id="{AE11CD06-63C5-D19A-3C40-AC843154267A}"/>
-              </a:ext>
-            </a:extLst>
-          </p:cNvPr>
-          <p:cNvSpPr txBox="1"/>
-          <p:nvPr/>
-        </p:nvSpPr>
-        <p:spPr>
-          <a:xfrm>
-            <a:off x="5895355" y="3917527"/>
-            <a:ext cx="301686" cy="369332"/>
-          </a:xfrm>
-          <a:prstGeom prst="rect">
-            <a:avLst/>
-          </a:prstGeom>
-          <a:noFill/>
-        </p:spPr>
-        <p:txBody>
           <a:bodyPr wrap="none" rtlCol="0">
             <a:spAutoFit/>
           </a:bodyPr>
@@ -4586,158 +5027,20 @@
           <a:p>
             <a:r>
               <a:rPr lang="en-CN" dirty="0"/>
-              <a:t>2</a:t>
-            </a:r>
-          </a:p>
-        </p:txBody>
-      </p:sp>
-      <p:cxnSp>
-        <p:nvCxnSpPr>
-          <p:cNvPr id="12" name="Straight Arrow Connector 11">
-            <a:extLst>
-              <a:ext uri="{FF2B5EF4-FFF2-40B4-BE49-F238E27FC236}">
-                <a16:creationId xmlns:a16="http://schemas.microsoft.com/office/drawing/2014/main" id="{59412199-5743-0664-37A2-173E4B0FB591}"/>
-              </a:ext>
-            </a:extLst>
-          </p:cNvPr>
-          <p:cNvCxnSpPr/>
-          <p:nvPr/>
-        </p:nvCxnSpPr>
-        <p:spPr>
-          <a:xfrm flipV="1">
-            <a:off x="4135843" y="2753425"/>
-            <a:ext cx="1141850" cy="770546"/>
-          </a:xfrm>
-          <a:prstGeom prst="straightConnector1">
-            <a:avLst/>
-          </a:prstGeom>
-          <a:ln>
-            <a:tailEnd type="triangle"/>
-          </a:ln>
-        </p:spPr>
-        <p:style>
-          <a:lnRef idx="1">
-            <a:schemeClr val="accent1"/>
-          </a:lnRef>
-          <a:fillRef idx="0">
-            <a:schemeClr val="accent1"/>
-          </a:fillRef>
-          <a:effectRef idx="0">
-            <a:schemeClr val="accent1"/>
-          </a:effectRef>
-          <a:fontRef idx="minor">
-            <a:schemeClr val="tx1"/>
-          </a:fontRef>
-        </p:style>
-      </p:cxnSp>
-      <p:cxnSp>
-        <p:nvCxnSpPr>
-          <p:cNvPr id="14" name="Straight Arrow Connector 13">
-            <a:extLst>
-              <a:ext uri="{FF2B5EF4-FFF2-40B4-BE49-F238E27FC236}">
-                <a16:creationId xmlns:a16="http://schemas.microsoft.com/office/drawing/2014/main" id="{0FCA3043-65E7-605C-4A18-21B0520B7224}"/>
-              </a:ext>
-            </a:extLst>
-          </p:cNvPr>
-          <p:cNvCxnSpPr/>
-          <p:nvPr/>
-        </p:nvCxnSpPr>
-        <p:spPr>
-          <a:xfrm flipH="1">
-            <a:off x="5520890" y="4464424"/>
-            <a:ext cx="995083" cy="0"/>
-          </a:xfrm>
-          <a:prstGeom prst="straightConnector1">
-            <a:avLst/>
-          </a:prstGeom>
-          <a:ln>
-            <a:tailEnd type="triangle"/>
-          </a:ln>
-        </p:spPr>
-        <p:style>
-          <a:lnRef idx="1">
-            <a:schemeClr val="accent1"/>
-          </a:lnRef>
-          <a:fillRef idx="0">
-            <a:schemeClr val="accent1"/>
-          </a:fillRef>
-          <a:effectRef idx="0">
-            <a:schemeClr val="accent1"/>
-          </a:effectRef>
-          <a:fontRef idx="minor">
-            <a:schemeClr val="tx1"/>
-          </a:fontRef>
-        </p:style>
-      </p:cxnSp>
-      <p:sp>
-        <p:nvSpPr>
-          <p:cNvPr id="15" name="TextBox 14">
-            <a:extLst>
-              <a:ext uri="{FF2B5EF4-FFF2-40B4-BE49-F238E27FC236}">
-                <a16:creationId xmlns:a16="http://schemas.microsoft.com/office/drawing/2014/main" id="{0AB47524-72BD-21A9-8CA1-EC967559DDF2}"/>
-              </a:ext>
-            </a:extLst>
-          </p:cNvPr>
-          <p:cNvSpPr txBox="1"/>
-          <p:nvPr/>
-        </p:nvSpPr>
-        <p:spPr>
-          <a:xfrm>
-            <a:off x="5909238" y="4257296"/>
-            <a:ext cx="301686" cy="369332"/>
-          </a:xfrm>
-          <a:prstGeom prst="rect">
-            <a:avLst/>
-          </a:prstGeom>
-          <a:noFill/>
-        </p:spPr>
-        <p:txBody>
-          <a:bodyPr wrap="none" rtlCol="0">
-            <a:spAutoFit/>
-          </a:bodyPr>
-          <a:lstStyle/>
-          <a:p>
-            <a:r>
-              <a:rPr lang="en-US" altLang="zh-CN" dirty="0"/>
-              <a:t>3</a:t>
-            </a:r>
-            <a:endParaRPr lang="en-CN" dirty="0"/>
-          </a:p>
-        </p:txBody>
-      </p:sp>
-      <p:sp>
-        <p:nvSpPr>
-          <p:cNvPr id="16" name="TextBox 15">
-            <a:extLst>
-              <a:ext uri="{FF2B5EF4-FFF2-40B4-BE49-F238E27FC236}">
-                <a16:creationId xmlns:a16="http://schemas.microsoft.com/office/drawing/2014/main" id="{6E4879B3-3ABC-77BC-C6FA-527AED2E547B}"/>
-              </a:ext>
-            </a:extLst>
-          </p:cNvPr>
-          <p:cNvSpPr txBox="1"/>
-          <p:nvPr/>
-        </p:nvSpPr>
-        <p:spPr>
-          <a:xfrm>
-            <a:off x="4544116" y="2971751"/>
-            <a:ext cx="301686" cy="369332"/>
-          </a:xfrm>
-          <a:prstGeom prst="rect">
-            <a:avLst/>
-          </a:prstGeom>
-          <a:noFill/>
-        </p:spPr>
-        <p:txBody>
-          <a:bodyPr wrap="none" rtlCol="0">
-            <a:spAutoFit/>
-          </a:bodyPr>
-          <a:lstStyle/>
-          <a:p>
-            <a:r>
-              <a:rPr lang="en-US" altLang="zh-CN" dirty="0"/>
-              <a:t>4</a:t>
-            </a:r>
-            <a:endParaRPr lang="en-CN" dirty="0"/>
+              <a:t>1 Action / User event</a:t>
+            </a:r>
+          </a:p>
+          <a:p>
+            <a:r>
+              <a:rPr lang="en-CN" dirty="0"/>
+              <a:t>3 Data</a:t>
+            </a:r>
+          </a:p>
+          <a:p>
+            <a:r>
+              <a:rPr lang="en-CN" dirty="0"/>
+              <a:t>4 Update view</a:t>
+            </a:r>
           </a:p>
         </p:txBody>
       </p:sp>
@@ -4798,443 +5101,595 @@
             </a:r>
             <a:r>
               <a:rPr lang="en-US" altLang="zh-CN" dirty="0"/>
-              <a:t>M</a:t>
+              <a:t>M :</a:t>
+            </a:r>
+            <a:r>
+              <a:rPr lang="zh-CN" altLang="en-US" dirty="0"/>
+              <a:t> 双向绑定</a:t>
             </a:r>
             <a:endParaRPr lang="en-CN" dirty="0"/>
           </a:p>
         </p:txBody>
       </p:sp>
-      <p:sp>
-        <p:nvSpPr>
-          <p:cNvPr id="3" name="Rectangle 2">
-            <a:extLst>
-              <a:ext uri="{FF2B5EF4-FFF2-40B4-BE49-F238E27FC236}">
-                <a16:creationId xmlns:a16="http://schemas.microsoft.com/office/drawing/2014/main" id="{CC54B3E5-58DA-B2A5-63D6-5CFF955A0364}"/>
-              </a:ext>
-            </a:extLst>
-          </p:cNvPr>
-          <p:cNvSpPr/>
+      <p:grpSp>
+        <p:nvGrpSpPr>
+          <p:cNvPr id="20" name="Group 19">
+            <a:extLst>
+              <a:ext uri="{FF2B5EF4-FFF2-40B4-BE49-F238E27FC236}">
+                <a16:creationId xmlns:a16="http://schemas.microsoft.com/office/drawing/2014/main" id="{DE5D8468-7E54-86E1-AE45-4B51EEE767AE}"/>
+              </a:ext>
+            </a:extLst>
+          </p:cNvPr>
+          <p:cNvGrpSpPr/>
           <p:nvPr/>
-        </p:nvSpPr>
-        <p:spPr>
+        </p:nvGrpSpPr>
+        <p:grpSpPr>
           <a:xfrm>
-            <a:off x="5195047" y="1690688"/>
-            <a:ext cx="1801906" cy="941294"/>
+            <a:off x="838200" y="1800416"/>
+            <a:ext cx="4984683" cy="3585113"/>
+            <a:chOff x="3503336" y="1690688"/>
+            <a:chExt cx="4984683" cy="3585113"/>
           </a:xfrm>
-          <a:prstGeom prst="rect">
-            <a:avLst/>
-          </a:prstGeom>
-        </p:spPr>
-        <p:style>
-          <a:lnRef idx="1">
-            <a:schemeClr val="accent6"/>
-          </a:lnRef>
-          <a:fillRef idx="2">
-            <a:schemeClr val="accent6"/>
-          </a:fillRef>
-          <a:effectRef idx="1">
-            <a:schemeClr val="accent6"/>
-          </a:effectRef>
-          <a:fontRef idx="minor">
-            <a:schemeClr val="dk1"/>
-          </a:fontRef>
-        </p:style>
-        <p:txBody>
-          <a:bodyPr rtlCol="0" anchor="ctr"/>
-          <a:lstStyle/>
-          <a:p>
-            <a:pPr algn="ctr"/>
-            <a:r>
-              <a:rPr lang="en-CN" dirty="0"/>
-              <a:t>View</a:t>
-            </a:r>
-          </a:p>
-        </p:txBody>
-      </p:sp>
-      <p:sp>
-        <p:nvSpPr>
-          <p:cNvPr id="4" name="Rectangle 3">
-            <a:extLst>
-              <a:ext uri="{FF2B5EF4-FFF2-40B4-BE49-F238E27FC236}">
-                <a16:creationId xmlns:a16="http://schemas.microsoft.com/office/drawing/2014/main" id="{40AF6CD8-43E0-EBF0-3986-6A321D2D16BA}"/>
-              </a:ext>
-            </a:extLst>
-          </p:cNvPr>
-          <p:cNvSpPr/>
+        </p:grpSpPr>
+        <p:sp>
+          <p:nvSpPr>
+            <p:cNvPr id="3" name="Rectangle 2">
+              <a:extLst>
+                <a:ext uri="{FF2B5EF4-FFF2-40B4-BE49-F238E27FC236}">
+                  <a16:creationId xmlns:a16="http://schemas.microsoft.com/office/drawing/2014/main" id="{CC54B3E5-58DA-B2A5-63D6-5CFF955A0364}"/>
+                </a:ext>
+              </a:extLst>
+            </p:cNvPr>
+            <p:cNvSpPr/>
+            <p:nvPr/>
+          </p:nvSpPr>
+          <p:spPr>
+            <a:xfrm>
+              <a:off x="5195047" y="1690688"/>
+              <a:ext cx="1801906" cy="941294"/>
+            </a:xfrm>
+            <a:prstGeom prst="rect">
+              <a:avLst/>
+            </a:prstGeom>
+          </p:spPr>
+          <p:style>
+            <a:lnRef idx="1">
+              <a:schemeClr val="accent6"/>
+            </a:lnRef>
+            <a:fillRef idx="2">
+              <a:schemeClr val="accent6"/>
+            </a:fillRef>
+            <a:effectRef idx="1">
+              <a:schemeClr val="accent6"/>
+            </a:effectRef>
+            <a:fontRef idx="minor">
+              <a:schemeClr val="dk1"/>
+            </a:fontRef>
+          </p:style>
+          <p:txBody>
+            <a:bodyPr rtlCol="0" anchor="ctr"/>
+            <a:lstStyle/>
+            <a:p>
+              <a:pPr algn="ctr"/>
+              <a:r>
+                <a:rPr lang="en-CN" dirty="0"/>
+                <a:t>View</a:t>
+              </a:r>
+            </a:p>
+          </p:txBody>
+        </p:sp>
+        <p:sp>
+          <p:nvSpPr>
+            <p:cNvPr id="4" name="Rectangle 3">
+              <a:extLst>
+                <a:ext uri="{FF2B5EF4-FFF2-40B4-BE49-F238E27FC236}">
+                  <a16:creationId xmlns:a16="http://schemas.microsoft.com/office/drawing/2014/main" id="{40AF6CD8-43E0-EBF0-3986-6A321D2D16BA}"/>
+                </a:ext>
+              </a:extLst>
+            </p:cNvPr>
+            <p:cNvSpPr/>
+            <p:nvPr/>
+          </p:nvSpPr>
+          <p:spPr>
+            <a:xfrm>
+              <a:off x="3503336" y="3631546"/>
+              <a:ext cx="1801906" cy="941294"/>
+            </a:xfrm>
+            <a:prstGeom prst="rect">
+              <a:avLst/>
+            </a:prstGeom>
+          </p:spPr>
+          <p:style>
+            <a:lnRef idx="1">
+              <a:schemeClr val="accent6"/>
+            </a:lnRef>
+            <a:fillRef idx="2">
+              <a:schemeClr val="accent6"/>
+            </a:fillRef>
+            <a:effectRef idx="1">
+              <a:schemeClr val="accent6"/>
+            </a:effectRef>
+            <a:fontRef idx="minor">
+              <a:schemeClr val="dk1"/>
+            </a:fontRef>
+          </p:style>
+          <p:txBody>
+            <a:bodyPr rtlCol="0" anchor="ctr"/>
+            <a:lstStyle/>
+            <a:p>
+              <a:pPr algn="ctr"/>
+              <a:r>
+                <a:rPr lang="en-US" b="0" i="0" dirty="0">
+                  <a:solidFill>
+                    <a:srgbClr val="111111"/>
+                  </a:solidFill>
+                  <a:effectLst/>
+                  <a:latin typeface="Georgia" panose="02040502050405020303" pitchFamily="18" charset="0"/>
+                </a:rPr>
+                <a:t>View</a:t>
+              </a:r>
+              <a:r>
+                <a:rPr lang="zh-CN" altLang="en-US" b="0" i="0" dirty="0">
+                  <a:solidFill>
+                    <a:srgbClr val="111111"/>
+                  </a:solidFill>
+                  <a:effectLst/>
+                  <a:latin typeface="Georgia" panose="02040502050405020303" pitchFamily="18" charset="0"/>
+                </a:rPr>
+                <a:t> </a:t>
+              </a:r>
+              <a:r>
+                <a:rPr lang="en-US" b="0" i="0" dirty="0">
+                  <a:solidFill>
+                    <a:srgbClr val="111111"/>
+                  </a:solidFill>
+                  <a:effectLst/>
+                  <a:latin typeface="Georgia" panose="02040502050405020303" pitchFamily="18" charset="0"/>
+                </a:rPr>
+                <a:t>Model</a:t>
+              </a:r>
+              <a:endParaRPr lang="en-CN" dirty="0"/>
+            </a:p>
+          </p:txBody>
+        </p:sp>
+        <p:sp>
+          <p:nvSpPr>
+            <p:cNvPr id="5" name="Rectangle 4">
+              <a:extLst>
+                <a:ext uri="{FF2B5EF4-FFF2-40B4-BE49-F238E27FC236}">
+                  <a16:creationId xmlns:a16="http://schemas.microsoft.com/office/drawing/2014/main" id="{88FD84E8-BAC1-C0B8-8FF1-465044387698}"/>
+                </a:ext>
+              </a:extLst>
+            </p:cNvPr>
+            <p:cNvSpPr/>
+            <p:nvPr/>
+          </p:nvSpPr>
+          <p:spPr>
+            <a:xfrm>
+              <a:off x="6686113" y="3631546"/>
+              <a:ext cx="1801906" cy="941294"/>
+            </a:xfrm>
+            <a:prstGeom prst="rect">
+              <a:avLst/>
+            </a:prstGeom>
+          </p:spPr>
+          <p:style>
+            <a:lnRef idx="1">
+              <a:schemeClr val="accent6"/>
+            </a:lnRef>
+            <a:fillRef idx="2">
+              <a:schemeClr val="accent6"/>
+            </a:fillRef>
+            <a:effectRef idx="1">
+              <a:schemeClr val="accent6"/>
+            </a:effectRef>
+            <a:fontRef idx="minor">
+              <a:schemeClr val="dk1"/>
+            </a:fontRef>
+          </p:style>
+          <p:txBody>
+            <a:bodyPr rtlCol="0" anchor="ctr"/>
+            <a:lstStyle/>
+            <a:p>
+              <a:pPr algn="ctr"/>
+              <a:r>
+                <a:rPr lang="en-CN" dirty="0"/>
+                <a:t>Model</a:t>
+              </a:r>
+            </a:p>
+          </p:txBody>
+        </p:sp>
+        <p:cxnSp>
+          <p:nvCxnSpPr>
+            <p:cNvPr id="7" name="Straight Arrow Connector 6">
+              <a:extLst>
+                <a:ext uri="{FF2B5EF4-FFF2-40B4-BE49-F238E27FC236}">
+                  <a16:creationId xmlns:a16="http://schemas.microsoft.com/office/drawing/2014/main" id="{010207EC-B851-DB22-8457-5B6889FE174B}"/>
+                </a:ext>
+              </a:extLst>
+            </p:cNvPr>
+            <p:cNvCxnSpPr>
+              <a:cxnSpLocks/>
+            </p:cNvCxnSpPr>
+            <p:nvPr/>
+          </p:nvCxnSpPr>
+          <p:spPr>
+            <a:xfrm>
+              <a:off x="5520890" y="4143424"/>
+              <a:ext cx="995083" cy="0"/>
+            </a:xfrm>
+            <a:prstGeom prst="straightConnector1">
+              <a:avLst/>
+            </a:prstGeom>
+            <a:ln>
+              <a:tailEnd type="triangle"/>
+            </a:ln>
+          </p:spPr>
+          <p:style>
+            <a:lnRef idx="1">
+              <a:schemeClr val="accent1"/>
+            </a:lnRef>
+            <a:fillRef idx="0">
+              <a:schemeClr val="accent1"/>
+            </a:fillRef>
+            <a:effectRef idx="0">
+              <a:schemeClr val="accent1"/>
+            </a:effectRef>
+            <a:fontRef idx="minor">
+              <a:schemeClr val="tx1"/>
+            </a:fontRef>
+          </p:style>
+        </p:cxnSp>
+        <p:sp>
+          <p:nvSpPr>
+            <p:cNvPr id="8" name="TextBox 7">
+              <a:extLst>
+                <a:ext uri="{FF2B5EF4-FFF2-40B4-BE49-F238E27FC236}">
+                  <a16:creationId xmlns:a16="http://schemas.microsoft.com/office/drawing/2014/main" id="{B2E063E2-AA60-30E4-932E-0B31CF92FDDE}"/>
+                </a:ext>
+              </a:extLst>
+            </p:cNvPr>
+            <p:cNvSpPr txBox="1"/>
+            <p:nvPr/>
+          </p:nvSpPr>
+          <p:spPr>
+            <a:xfrm>
+              <a:off x="4514507" y="2671217"/>
+              <a:ext cx="294963" cy="369332"/>
+            </a:xfrm>
+            <a:prstGeom prst="rect">
+              <a:avLst/>
+            </a:prstGeom>
+            <a:noFill/>
+          </p:spPr>
+          <p:txBody>
+            <a:bodyPr wrap="square" rtlCol="0">
+              <a:spAutoFit/>
+            </a:bodyPr>
+            <a:lstStyle/>
+            <a:p>
+              <a:r>
+                <a:rPr lang="en-CN" dirty="0"/>
+                <a:t>1</a:t>
+              </a:r>
+            </a:p>
+          </p:txBody>
+        </p:sp>
+        <p:sp>
+          <p:nvSpPr>
+            <p:cNvPr id="9" name="TextBox 8">
+              <a:extLst>
+                <a:ext uri="{FF2B5EF4-FFF2-40B4-BE49-F238E27FC236}">
+                  <a16:creationId xmlns:a16="http://schemas.microsoft.com/office/drawing/2014/main" id="{D7ED54A7-73C5-6464-1A2A-DC1BAA3CDC7F}"/>
+                </a:ext>
+              </a:extLst>
+            </p:cNvPr>
+            <p:cNvSpPr txBox="1"/>
+            <p:nvPr/>
+          </p:nvSpPr>
+          <p:spPr>
+            <a:xfrm>
+              <a:off x="5895355" y="3917527"/>
+              <a:ext cx="301686" cy="369332"/>
+            </a:xfrm>
+            <a:prstGeom prst="rect">
+              <a:avLst/>
+            </a:prstGeom>
+            <a:noFill/>
+          </p:spPr>
+          <p:txBody>
+            <a:bodyPr wrap="none" rtlCol="0">
+              <a:spAutoFit/>
+            </a:bodyPr>
+            <a:lstStyle/>
+            <a:p>
+              <a:r>
+                <a:rPr lang="en-CN" dirty="0"/>
+                <a:t>2</a:t>
+              </a:r>
+            </a:p>
+          </p:txBody>
+        </p:sp>
+        <p:cxnSp>
+          <p:nvCxnSpPr>
+            <p:cNvPr id="11" name="Straight Arrow Connector 10">
+              <a:extLst>
+                <a:ext uri="{FF2B5EF4-FFF2-40B4-BE49-F238E27FC236}">
+                  <a16:creationId xmlns:a16="http://schemas.microsoft.com/office/drawing/2014/main" id="{CCBBCD17-90F0-5FE5-DFDA-BBD2192AFAA8}"/>
+                </a:ext>
+              </a:extLst>
+            </p:cNvPr>
+            <p:cNvCxnSpPr/>
+            <p:nvPr/>
+          </p:nvCxnSpPr>
+          <p:spPr>
+            <a:xfrm flipH="1">
+              <a:off x="5520890" y="4464424"/>
+              <a:ext cx="995083" cy="0"/>
+            </a:xfrm>
+            <a:prstGeom prst="straightConnector1">
+              <a:avLst/>
+            </a:prstGeom>
+            <a:ln>
+              <a:tailEnd type="triangle"/>
+            </a:ln>
+          </p:spPr>
+          <p:style>
+            <a:lnRef idx="1">
+              <a:schemeClr val="accent1"/>
+            </a:lnRef>
+            <a:fillRef idx="0">
+              <a:schemeClr val="accent1"/>
+            </a:fillRef>
+            <a:effectRef idx="0">
+              <a:schemeClr val="accent1"/>
+            </a:effectRef>
+            <a:fontRef idx="minor">
+              <a:schemeClr val="tx1"/>
+            </a:fontRef>
+          </p:style>
+        </p:cxnSp>
+        <p:sp>
+          <p:nvSpPr>
+            <p:cNvPr id="12" name="TextBox 11">
+              <a:extLst>
+                <a:ext uri="{FF2B5EF4-FFF2-40B4-BE49-F238E27FC236}">
+                  <a16:creationId xmlns:a16="http://schemas.microsoft.com/office/drawing/2014/main" id="{1D276EBB-FBD3-9BDD-49A9-D042979A2F47}"/>
+                </a:ext>
+              </a:extLst>
+            </p:cNvPr>
+            <p:cNvSpPr txBox="1"/>
+            <p:nvPr/>
+          </p:nvSpPr>
+          <p:spPr>
+            <a:xfrm>
+              <a:off x="5909238" y="4257296"/>
+              <a:ext cx="301686" cy="369332"/>
+            </a:xfrm>
+            <a:prstGeom prst="rect">
+              <a:avLst/>
+            </a:prstGeom>
+            <a:noFill/>
+          </p:spPr>
+          <p:txBody>
+            <a:bodyPr wrap="none" rtlCol="0">
+              <a:spAutoFit/>
+            </a:bodyPr>
+            <a:lstStyle/>
+            <a:p>
+              <a:r>
+                <a:rPr lang="en-US" dirty="0"/>
+                <a:t>3</a:t>
+              </a:r>
+              <a:endParaRPr lang="en-CN" dirty="0"/>
+            </a:p>
+          </p:txBody>
+        </p:sp>
+        <p:cxnSp>
+          <p:nvCxnSpPr>
+            <p:cNvPr id="15" name="Straight Arrow Connector 14">
+              <a:extLst>
+                <a:ext uri="{FF2B5EF4-FFF2-40B4-BE49-F238E27FC236}">
+                  <a16:creationId xmlns:a16="http://schemas.microsoft.com/office/drawing/2014/main" id="{2E694022-376E-8BF6-0962-A2471FCE8E5C}"/>
+                </a:ext>
+              </a:extLst>
+            </p:cNvPr>
+            <p:cNvCxnSpPr>
+              <a:cxnSpLocks/>
+            </p:cNvCxnSpPr>
+            <p:nvPr/>
+          </p:nvCxnSpPr>
+          <p:spPr>
+            <a:xfrm flipH="1">
+              <a:off x="4137660" y="2235315"/>
+              <a:ext cx="911295" cy="1294958"/>
+            </a:xfrm>
+            <a:prstGeom prst="straightConnector1">
+              <a:avLst/>
+            </a:prstGeom>
+            <a:ln>
+              <a:headEnd type="triangle"/>
+              <a:tailEnd type="triangle"/>
+            </a:ln>
+          </p:spPr>
+          <p:style>
+            <a:lnRef idx="1">
+              <a:schemeClr val="accent1"/>
+            </a:lnRef>
+            <a:fillRef idx="0">
+              <a:schemeClr val="accent1"/>
+            </a:fillRef>
+            <a:effectRef idx="0">
+              <a:schemeClr val="accent1"/>
+            </a:effectRef>
+            <a:fontRef idx="minor">
+              <a:schemeClr val="tx1"/>
+            </a:fontRef>
+          </p:style>
+        </p:cxnSp>
+        <p:sp>
+          <p:nvSpPr>
+            <p:cNvPr id="6" name="TextBox 5">
+              <a:extLst>
+                <a:ext uri="{FF2B5EF4-FFF2-40B4-BE49-F238E27FC236}">
+                  <a16:creationId xmlns:a16="http://schemas.microsoft.com/office/drawing/2014/main" id="{0E5894FE-F0BE-3B48-4875-CC663E8205F6}"/>
+                </a:ext>
+              </a:extLst>
+            </p:cNvPr>
+            <p:cNvSpPr txBox="1"/>
+            <p:nvPr/>
+          </p:nvSpPr>
+          <p:spPr>
+            <a:xfrm>
+              <a:off x="3541544" y="4906469"/>
+              <a:ext cx="1527982" cy="369332"/>
+            </a:xfrm>
+            <a:prstGeom prst="rect">
+              <a:avLst/>
+            </a:prstGeom>
+            <a:noFill/>
+          </p:spPr>
+          <p:txBody>
+            <a:bodyPr wrap="none" rtlCol="0">
+              <a:spAutoFit/>
+            </a:bodyPr>
+            <a:lstStyle/>
+            <a:p>
+              <a:r>
+                <a:rPr lang="en-CN" dirty="0"/>
+                <a:t>1 -&gt; 2 -&gt; 3 -&gt; 1</a:t>
+              </a:r>
+            </a:p>
+          </p:txBody>
+        </p:sp>
+      </p:grpSp>
+      <p:grpSp>
+        <p:nvGrpSpPr>
+          <p:cNvPr id="22" name="Group 21">
+            <a:extLst>
+              <a:ext uri="{FF2B5EF4-FFF2-40B4-BE49-F238E27FC236}">
+                <a16:creationId xmlns:a16="http://schemas.microsoft.com/office/drawing/2014/main" id="{8B5A8FB8-CEC1-2898-AAB8-33BB087FC002}"/>
+              </a:ext>
+            </a:extLst>
+          </p:cNvPr>
+          <p:cNvGrpSpPr/>
           <p:nvPr/>
-        </p:nvSpPr>
-        <p:spPr>
+        </p:nvGrpSpPr>
+        <p:grpSpPr>
           <a:xfrm>
-            <a:off x="3503336" y="3631546"/>
-            <a:ext cx="1801906" cy="941294"/>
+            <a:off x="6577412" y="1724239"/>
+            <a:ext cx="4738180" cy="3661290"/>
+            <a:chOff x="7306056" y="1690688"/>
+            <a:chExt cx="4738180" cy="3661290"/>
           </a:xfrm>
-          <a:prstGeom prst="rect">
-            <a:avLst/>
-          </a:prstGeom>
-        </p:spPr>
-        <p:style>
-          <a:lnRef idx="1">
-            <a:schemeClr val="accent6"/>
-          </a:lnRef>
-          <a:fillRef idx="2">
-            <a:schemeClr val="accent6"/>
-          </a:fillRef>
-          <a:effectRef idx="1">
-            <a:schemeClr val="accent6"/>
-          </a:effectRef>
-          <a:fontRef idx="minor">
-            <a:schemeClr val="dk1"/>
-          </a:fontRef>
-        </p:style>
-        <p:txBody>
-          <a:bodyPr rtlCol="0" anchor="ctr"/>
-          <a:lstStyle/>
-          <a:p>
-            <a:pPr algn="ctr"/>
-            <a:r>
-              <a:rPr lang="en-US" b="0" i="0" dirty="0">
+        </p:grpSpPr>
+        <p:pic>
+          <p:nvPicPr>
+            <p:cNvPr id="1026" name="Picture 2">
+              <a:extLst>
+                <a:ext uri="{FF2B5EF4-FFF2-40B4-BE49-F238E27FC236}">
+                  <a16:creationId xmlns:a16="http://schemas.microsoft.com/office/drawing/2014/main" id="{455B556B-5CD7-BA48-F829-D670A17D0868}"/>
+                </a:ext>
+              </a:extLst>
+            </p:cNvPr>
+            <p:cNvPicPr>
+              <a:picLocks noChangeAspect="1" noChangeArrowheads="1"/>
+            </p:cNvPicPr>
+            <p:nvPr/>
+          </p:nvPicPr>
+          <p:blipFill>
+            <a:blip r:embed="rId2">
+              <a:extLst>
+                <a:ext uri="{28A0092B-C50C-407E-A947-70E740481C1C}">
+                  <a14:useLocalDpi xmlns:a14="http://schemas.microsoft.com/office/drawing/2010/main" val="0"/>
+                </a:ext>
+              </a:extLst>
+            </a:blip>
+            <a:srcRect/>
+            <a:stretch>
+              <a:fillRect/>
+            </a:stretch>
+          </p:blipFill>
+          <p:spPr bwMode="auto">
+            <a:xfrm>
+              <a:off x="7306056" y="1690688"/>
+              <a:ext cx="4738180" cy="3103611"/>
+            </a:xfrm>
+            <a:prstGeom prst="rect">
+              <a:avLst/>
+            </a:prstGeom>
+            <a:noFill/>
+            <a:extLst>
+              <a:ext uri="{909E8E84-426E-40DD-AFC4-6F175D3DCCD1}">
+                <a14:hiddenFill xmlns:a14="http://schemas.microsoft.com/office/drawing/2010/main">
+                  <a:solidFill>
+                    <a:srgbClr val="FFFFFF"/>
+                  </a:solidFill>
+                </a14:hiddenFill>
+              </a:ext>
+            </a:extLst>
+          </p:spPr>
+        </p:pic>
+        <p:sp>
+          <p:nvSpPr>
+            <p:cNvPr id="21" name="TextBox 20">
+              <a:extLst>
+                <a:ext uri="{FF2B5EF4-FFF2-40B4-BE49-F238E27FC236}">
+                  <a16:creationId xmlns:a16="http://schemas.microsoft.com/office/drawing/2014/main" id="{FB2C5D8A-5474-5669-F89C-FDFCE9BA67AF}"/>
+                </a:ext>
+              </a:extLst>
+            </p:cNvPr>
+            <p:cNvSpPr txBox="1"/>
+            <p:nvPr/>
+          </p:nvSpPr>
+          <p:spPr>
+            <a:xfrm>
+              <a:off x="8439912" y="4982646"/>
+              <a:ext cx="1800493" cy="369332"/>
+            </a:xfrm>
+            <a:prstGeom prst="rect">
+              <a:avLst/>
+            </a:prstGeom>
+            <a:noFill/>
+          </p:spPr>
+          <p:txBody>
+            <a:bodyPr wrap="none" rtlCol="0">
+              <a:spAutoFit/>
+            </a:bodyPr>
+            <a:lstStyle/>
+            <a:p>
+              <a:pPr algn="l"/>
+              <a:r>
+                <a:rPr lang="zh-CN" altLang="en-US" b="1" i="0" dirty="0">
+                  <a:solidFill>
+                    <a:srgbClr val="404040"/>
+                  </a:solidFill>
+                  <a:effectLst/>
+                  <a:latin typeface="-apple-system"/>
+                </a:rPr>
+                <a:t>双向绑定</a:t>
+              </a:r>
+              <a:r>
+                <a:rPr lang="zh-CN" altLang="en-CN" b="1" i="0" dirty="0">
+                  <a:solidFill>
+                    <a:srgbClr val="404040"/>
+                  </a:solidFill>
+                  <a:effectLst/>
+                  <a:latin typeface="-apple-system"/>
+                </a:rPr>
+                <a:t>的简化</a:t>
+              </a:r>
+              <a:endParaRPr lang="zh-CN" altLang="en-US" b="1" i="0" dirty="0">
                 <a:solidFill>
-                  <a:srgbClr val="111111"/>
+                  <a:srgbClr val="404040"/>
                 </a:solidFill>
                 <a:effectLst/>
-                <a:latin typeface="Georgia" panose="02040502050405020303" pitchFamily="18" charset="0"/>
-              </a:rPr>
-              <a:t>View</a:t>
-            </a:r>
-            <a:r>
-              <a:rPr lang="zh-CN" altLang="en-US" b="0" i="0" dirty="0">
-                <a:solidFill>
-                  <a:srgbClr val="111111"/>
-                </a:solidFill>
-                <a:effectLst/>
-                <a:latin typeface="Georgia" panose="02040502050405020303" pitchFamily="18" charset="0"/>
-              </a:rPr>
-              <a:t> </a:t>
-            </a:r>
-            <a:r>
-              <a:rPr lang="en-US" b="0" i="0" dirty="0">
-                <a:solidFill>
-                  <a:srgbClr val="111111"/>
-                </a:solidFill>
-                <a:effectLst/>
-                <a:latin typeface="Georgia" panose="02040502050405020303" pitchFamily="18" charset="0"/>
-              </a:rPr>
-              <a:t>Model</a:t>
-            </a:r>
-            <a:endParaRPr lang="en-CN" dirty="0"/>
-          </a:p>
-        </p:txBody>
-      </p:sp>
-      <p:sp>
-        <p:nvSpPr>
-          <p:cNvPr id="5" name="Rectangle 4">
-            <a:extLst>
-              <a:ext uri="{FF2B5EF4-FFF2-40B4-BE49-F238E27FC236}">
-                <a16:creationId xmlns:a16="http://schemas.microsoft.com/office/drawing/2014/main" id="{88FD84E8-BAC1-C0B8-8FF1-465044387698}"/>
-              </a:ext>
-            </a:extLst>
-          </p:cNvPr>
-          <p:cNvSpPr/>
-          <p:nvPr/>
-        </p:nvSpPr>
-        <p:spPr>
-          <a:xfrm>
-            <a:off x="6686113" y="3631546"/>
-            <a:ext cx="1801906" cy="941294"/>
-          </a:xfrm>
-          <a:prstGeom prst="rect">
-            <a:avLst/>
-          </a:prstGeom>
-        </p:spPr>
-        <p:style>
-          <a:lnRef idx="1">
-            <a:schemeClr val="accent6"/>
-          </a:lnRef>
-          <a:fillRef idx="2">
-            <a:schemeClr val="accent6"/>
-          </a:fillRef>
-          <a:effectRef idx="1">
-            <a:schemeClr val="accent6"/>
-          </a:effectRef>
-          <a:fontRef idx="minor">
-            <a:schemeClr val="dk1"/>
-          </a:fontRef>
-        </p:style>
-        <p:txBody>
-          <a:bodyPr rtlCol="0" anchor="ctr"/>
-          <a:lstStyle/>
-          <a:p>
-            <a:pPr algn="ctr"/>
-            <a:r>
-              <a:rPr lang="en-CN" dirty="0"/>
-              <a:t>Model</a:t>
-            </a:r>
-          </a:p>
-        </p:txBody>
-      </p:sp>
-      <p:cxnSp>
-        <p:nvCxnSpPr>
-          <p:cNvPr id="7" name="Straight Arrow Connector 6">
-            <a:extLst>
-              <a:ext uri="{FF2B5EF4-FFF2-40B4-BE49-F238E27FC236}">
-                <a16:creationId xmlns:a16="http://schemas.microsoft.com/office/drawing/2014/main" id="{010207EC-B851-DB22-8457-5B6889FE174B}"/>
-              </a:ext>
-            </a:extLst>
-          </p:cNvPr>
-          <p:cNvCxnSpPr>
-            <a:cxnSpLocks/>
-          </p:cNvCxnSpPr>
-          <p:nvPr/>
-        </p:nvCxnSpPr>
-        <p:spPr>
-          <a:xfrm>
-            <a:off x="5520890" y="4143424"/>
-            <a:ext cx="995083" cy="0"/>
-          </a:xfrm>
-          <a:prstGeom prst="straightConnector1">
-            <a:avLst/>
-          </a:prstGeom>
-          <a:ln>
-            <a:tailEnd type="triangle"/>
-          </a:ln>
-        </p:spPr>
-        <p:style>
-          <a:lnRef idx="1">
-            <a:schemeClr val="accent1"/>
-          </a:lnRef>
-          <a:fillRef idx="0">
-            <a:schemeClr val="accent1"/>
-          </a:fillRef>
-          <a:effectRef idx="0">
-            <a:schemeClr val="accent1"/>
-          </a:effectRef>
-          <a:fontRef idx="minor">
-            <a:schemeClr val="tx1"/>
-          </a:fontRef>
-        </p:style>
-      </p:cxnSp>
-      <p:sp>
-        <p:nvSpPr>
-          <p:cNvPr id="8" name="TextBox 7">
-            <a:extLst>
-              <a:ext uri="{FF2B5EF4-FFF2-40B4-BE49-F238E27FC236}">
-                <a16:creationId xmlns:a16="http://schemas.microsoft.com/office/drawing/2014/main" id="{B2E063E2-AA60-30E4-932E-0B31CF92FDDE}"/>
-              </a:ext>
-            </a:extLst>
-          </p:cNvPr>
-          <p:cNvSpPr txBox="1"/>
-          <p:nvPr/>
-        </p:nvSpPr>
-        <p:spPr>
-          <a:xfrm>
-            <a:off x="4690286" y="2923376"/>
-            <a:ext cx="294963" cy="369332"/>
-          </a:xfrm>
-          <a:prstGeom prst="rect">
-            <a:avLst/>
-          </a:prstGeom>
-          <a:noFill/>
-        </p:spPr>
-        <p:txBody>
-          <a:bodyPr wrap="square" rtlCol="0">
-            <a:spAutoFit/>
-          </a:bodyPr>
-          <a:lstStyle/>
-          <a:p>
-            <a:r>
-              <a:rPr lang="en-CN" dirty="0"/>
-              <a:t>1</a:t>
-            </a:r>
-          </a:p>
-        </p:txBody>
-      </p:sp>
-      <p:sp>
-        <p:nvSpPr>
-          <p:cNvPr id="9" name="TextBox 8">
-            <a:extLst>
-              <a:ext uri="{FF2B5EF4-FFF2-40B4-BE49-F238E27FC236}">
-                <a16:creationId xmlns:a16="http://schemas.microsoft.com/office/drawing/2014/main" id="{D7ED54A7-73C5-6464-1A2A-DC1BAA3CDC7F}"/>
-              </a:ext>
-            </a:extLst>
-          </p:cNvPr>
-          <p:cNvSpPr txBox="1"/>
-          <p:nvPr/>
-        </p:nvSpPr>
-        <p:spPr>
-          <a:xfrm>
-            <a:off x="5895355" y="3917527"/>
-            <a:ext cx="301686" cy="369332"/>
-          </a:xfrm>
-          <a:prstGeom prst="rect">
-            <a:avLst/>
-          </a:prstGeom>
-          <a:noFill/>
-        </p:spPr>
-        <p:txBody>
-          <a:bodyPr wrap="none" rtlCol="0">
-            <a:spAutoFit/>
-          </a:bodyPr>
-          <a:lstStyle/>
-          <a:p>
-            <a:r>
-              <a:rPr lang="en-CN" dirty="0"/>
-              <a:t>2</a:t>
-            </a:r>
-          </a:p>
-        </p:txBody>
-      </p:sp>
-      <p:cxnSp>
-        <p:nvCxnSpPr>
-          <p:cNvPr id="11" name="Straight Arrow Connector 10">
-            <a:extLst>
-              <a:ext uri="{FF2B5EF4-FFF2-40B4-BE49-F238E27FC236}">
-                <a16:creationId xmlns:a16="http://schemas.microsoft.com/office/drawing/2014/main" id="{CCBBCD17-90F0-5FE5-DFDA-BBD2192AFAA8}"/>
-              </a:ext>
-            </a:extLst>
-          </p:cNvPr>
-          <p:cNvCxnSpPr/>
-          <p:nvPr/>
-        </p:nvCxnSpPr>
-        <p:spPr>
-          <a:xfrm flipH="1">
-            <a:off x="5520890" y="4464424"/>
-            <a:ext cx="995083" cy="0"/>
-          </a:xfrm>
-          <a:prstGeom prst="straightConnector1">
-            <a:avLst/>
-          </a:prstGeom>
-          <a:ln>
-            <a:tailEnd type="triangle"/>
-          </a:ln>
-        </p:spPr>
-        <p:style>
-          <a:lnRef idx="1">
-            <a:schemeClr val="accent1"/>
-          </a:lnRef>
-          <a:fillRef idx="0">
-            <a:schemeClr val="accent1"/>
-          </a:fillRef>
-          <a:effectRef idx="0">
-            <a:schemeClr val="accent1"/>
-          </a:effectRef>
-          <a:fontRef idx="minor">
-            <a:schemeClr val="tx1"/>
-          </a:fontRef>
-        </p:style>
-      </p:cxnSp>
-      <p:sp>
-        <p:nvSpPr>
-          <p:cNvPr id="12" name="TextBox 11">
-            <a:extLst>
-              <a:ext uri="{FF2B5EF4-FFF2-40B4-BE49-F238E27FC236}">
-                <a16:creationId xmlns:a16="http://schemas.microsoft.com/office/drawing/2014/main" id="{1D276EBB-FBD3-9BDD-49A9-D042979A2F47}"/>
-              </a:ext>
-            </a:extLst>
-          </p:cNvPr>
-          <p:cNvSpPr txBox="1"/>
-          <p:nvPr/>
-        </p:nvSpPr>
-        <p:spPr>
-          <a:xfrm>
-            <a:off x="5909238" y="4257296"/>
-            <a:ext cx="301686" cy="369332"/>
-          </a:xfrm>
-          <a:prstGeom prst="rect">
-            <a:avLst/>
-          </a:prstGeom>
-          <a:noFill/>
-        </p:spPr>
-        <p:txBody>
-          <a:bodyPr wrap="none" rtlCol="0">
-            <a:spAutoFit/>
-          </a:bodyPr>
-          <a:lstStyle/>
-          <a:p>
-            <a:r>
-              <a:rPr lang="en-US" altLang="zh-CN" dirty="0"/>
-              <a:t>3</a:t>
-            </a:r>
-            <a:endParaRPr lang="en-CN" dirty="0"/>
-          </a:p>
-        </p:txBody>
-      </p:sp>
-      <p:cxnSp>
-        <p:nvCxnSpPr>
-          <p:cNvPr id="15" name="Straight Arrow Connector 14">
-            <a:extLst>
-              <a:ext uri="{FF2B5EF4-FFF2-40B4-BE49-F238E27FC236}">
-                <a16:creationId xmlns:a16="http://schemas.microsoft.com/office/drawing/2014/main" id="{2E694022-376E-8BF6-0962-A2471FCE8E5C}"/>
-              </a:ext>
-            </a:extLst>
-          </p:cNvPr>
-          <p:cNvCxnSpPr>
-            <a:cxnSpLocks/>
-          </p:cNvCxnSpPr>
-          <p:nvPr/>
-        </p:nvCxnSpPr>
-        <p:spPr>
-          <a:xfrm flipH="1">
-            <a:off x="4404289" y="2787085"/>
-            <a:ext cx="900953" cy="641915"/>
-          </a:xfrm>
-          <a:prstGeom prst="straightConnector1">
-            <a:avLst/>
-          </a:prstGeom>
-          <a:ln>
-            <a:headEnd type="triangle"/>
-            <a:tailEnd type="triangle"/>
-          </a:ln>
-        </p:spPr>
-        <p:style>
-          <a:lnRef idx="1">
-            <a:schemeClr val="accent1"/>
-          </a:lnRef>
-          <a:fillRef idx="0">
-            <a:schemeClr val="accent1"/>
-          </a:fillRef>
-          <a:effectRef idx="0">
-            <a:schemeClr val="accent1"/>
-          </a:effectRef>
-          <a:fontRef idx="minor">
-            <a:schemeClr val="tx1"/>
-          </a:fontRef>
-        </p:style>
-      </p:cxnSp>
-      <p:sp>
-        <p:nvSpPr>
-          <p:cNvPr id="6" name="TextBox 5">
-            <a:extLst>
-              <a:ext uri="{FF2B5EF4-FFF2-40B4-BE49-F238E27FC236}">
-                <a16:creationId xmlns:a16="http://schemas.microsoft.com/office/drawing/2014/main" id="{0E5894FE-F0BE-3B48-4875-CC663E8205F6}"/>
-              </a:ext>
-            </a:extLst>
-          </p:cNvPr>
-          <p:cNvSpPr txBox="1"/>
-          <p:nvPr/>
-        </p:nvSpPr>
-        <p:spPr>
-          <a:xfrm>
-            <a:off x="4137660" y="5646420"/>
-            <a:ext cx="2460930" cy="369332"/>
-          </a:xfrm>
-          <a:prstGeom prst="rect">
-            <a:avLst/>
-          </a:prstGeom>
-          <a:noFill/>
-        </p:spPr>
-        <p:txBody>
-          <a:bodyPr wrap="none" rtlCol="0">
-            <a:spAutoFit/>
-          </a:bodyPr>
-          <a:lstStyle/>
-          <a:p>
-            <a:r>
-              <a:rPr lang="en-CN" dirty="0"/>
-              <a:t>更新模式:1 -&gt; 2 -&gt; 3 -&gt;1</a:t>
-            </a:r>
-          </a:p>
-        </p:txBody>
-      </p:sp>
+                <a:latin typeface="-apple-system"/>
+              </a:endParaRPr>
+            </a:p>
+          </p:txBody>
+        </p:sp>
+      </p:grpSp>
     </p:spTree>
     <p:extLst>
       <p:ext uri="{BB962C8B-B14F-4D97-AF65-F5344CB8AC3E}">
